--- a/_documents/DevOps platform documentation support.pptx
+++ b/_documents/DevOps platform documentation support.pptx
@@ -6,6 +6,7 @@
   </p:sldMasterIdLst>
   <p:sldIdLst>
     <p:sldId id="260" r:id="rId2"/>
+    <p:sldId id="261" r:id="rId3"/>
   </p:sldIdLst>
   <p:sldSz cx="12192000" cy="6858000"/>
   <p:notesSz cx="6858000" cy="9144000"/>
@@ -112,6 +113,4078 @@
 </p:presentation>
 </file>
 
+<file path=ppt/diagrams/colors1.xml><?xml version="1.0" encoding="utf-8"?>
+<dgm:colorsDef xmlns:dgm="http://schemas.openxmlformats.org/drawingml/2006/diagram" xmlns:a="http://schemas.openxmlformats.org/drawingml/2006/main" uniqueId="urn:microsoft.com/office/officeart/2005/8/colors/accent1_2">
+  <dgm:title val=""/>
+  <dgm:desc val=""/>
+  <dgm:catLst>
+    <dgm:cat type="accent1" pri="11200"/>
+  </dgm:catLst>
+  <dgm:styleLbl name="node0">
+    <dgm:fillClrLst meth="repeat">
+      <a:schemeClr val="accent1"/>
+    </dgm:fillClrLst>
+    <dgm:linClrLst meth="repeat">
+      <a:schemeClr val="lt1"/>
+    </dgm:linClrLst>
+    <dgm:effectClrLst/>
+    <dgm:txLinClrLst/>
+    <dgm:txFillClrLst/>
+    <dgm:txEffectClrLst/>
+  </dgm:styleLbl>
+  <dgm:styleLbl name="alignNode1">
+    <dgm:fillClrLst meth="repeat">
+      <a:schemeClr val="accent1"/>
+    </dgm:fillClrLst>
+    <dgm:linClrLst meth="repeat">
+      <a:schemeClr val="accent1"/>
+    </dgm:linClrLst>
+    <dgm:effectClrLst/>
+    <dgm:txLinClrLst/>
+    <dgm:txFillClrLst/>
+    <dgm:txEffectClrLst/>
+  </dgm:styleLbl>
+  <dgm:styleLbl name="node1">
+    <dgm:fillClrLst meth="repeat">
+      <a:schemeClr val="accent1"/>
+    </dgm:fillClrLst>
+    <dgm:linClrLst meth="repeat">
+      <a:schemeClr val="lt1"/>
+    </dgm:linClrLst>
+    <dgm:effectClrLst/>
+    <dgm:txLinClrLst/>
+    <dgm:txFillClrLst/>
+    <dgm:txEffectClrLst/>
+  </dgm:styleLbl>
+  <dgm:styleLbl name="lnNode1">
+    <dgm:fillClrLst meth="repeat">
+      <a:schemeClr val="accent1"/>
+    </dgm:fillClrLst>
+    <dgm:linClrLst meth="repeat">
+      <a:schemeClr val="lt1"/>
+    </dgm:linClrLst>
+    <dgm:effectClrLst/>
+    <dgm:txLinClrLst/>
+    <dgm:txFillClrLst/>
+    <dgm:txEffectClrLst/>
+  </dgm:styleLbl>
+  <dgm:styleLbl name="vennNode1">
+    <dgm:fillClrLst meth="repeat">
+      <a:schemeClr val="accent1">
+        <a:alpha val="50000"/>
+      </a:schemeClr>
+    </dgm:fillClrLst>
+    <dgm:linClrLst meth="repeat">
+      <a:schemeClr val="lt1"/>
+    </dgm:linClrLst>
+    <dgm:effectClrLst/>
+    <dgm:txLinClrLst/>
+    <dgm:txFillClrLst/>
+    <dgm:txEffectClrLst/>
+  </dgm:styleLbl>
+  <dgm:styleLbl name="node2">
+    <dgm:fillClrLst meth="repeat">
+      <a:schemeClr val="accent1"/>
+    </dgm:fillClrLst>
+    <dgm:linClrLst meth="repeat">
+      <a:schemeClr val="lt1"/>
+    </dgm:linClrLst>
+    <dgm:effectClrLst/>
+    <dgm:txLinClrLst/>
+    <dgm:txFillClrLst/>
+    <dgm:txEffectClrLst/>
+  </dgm:styleLbl>
+  <dgm:styleLbl name="node3">
+    <dgm:fillClrLst meth="repeat">
+      <a:schemeClr val="accent1"/>
+    </dgm:fillClrLst>
+    <dgm:linClrLst meth="repeat">
+      <a:schemeClr val="lt1"/>
+    </dgm:linClrLst>
+    <dgm:effectClrLst/>
+    <dgm:txLinClrLst/>
+    <dgm:txFillClrLst/>
+    <dgm:txEffectClrLst/>
+  </dgm:styleLbl>
+  <dgm:styleLbl name="node4">
+    <dgm:fillClrLst meth="repeat">
+      <a:schemeClr val="accent1"/>
+    </dgm:fillClrLst>
+    <dgm:linClrLst meth="repeat">
+      <a:schemeClr val="lt1"/>
+    </dgm:linClrLst>
+    <dgm:effectClrLst/>
+    <dgm:txLinClrLst/>
+    <dgm:txFillClrLst/>
+    <dgm:txEffectClrLst/>
+  </dgm:styleLbl>
+  <dgm:styleLbl name="fgImgPlace1">
+    <dgm:fillClrLst meth="repeat">
+      <a:schemeClr val="accent1">
+        <a:tint val="50000"/>
+      </a:schemeClr>
+    </dgm:fillClrLst>
+    <dgm:linClrLst meth="repeat">
+      <a:schemeClr val="lt1"/>
+    </dgm:linClrLst>
+    <dgm:effectClrLst/>
+    <dgm:txLinClrLst/>
+    <dgm:txFillClrLst meth="repeat">
+      <a:schemeClr val="lt1"/>
+    </dgm:txFillClrLst>
+    <dgm:txEffectClrLst/>
+  </dgm:styleLbl>
+  <dgm:styleLbl name="alignImgPlace1">
+    <dgm:fillClrLst meth="repeat">
+      <a:schemeClr val="accent1">
+        <a:tint val="50000"/>
+      </a:schemeClr>
+    </dgm:fillClrLst>
+    <dgm:linClrLst meth="repeat">
+      <a:schemeClr val="lt1"/>
+    </dgm:linClrLst>
+    <dgm:effectClrLst/>
+    <dgm:txLinClrLst/>
+    <dgm:txFillClrLst meth="repeat">
+      <a:schemeClr val="lt1"/>
+    </dgm:txFillClrLst>
+    <dgm:txEffectClrLst/>
+  </dgm:styleLbl>
+  <dgm:styleLbl name="bgImgPlace1">
+    <dgm:fillClrLst meth="repeat">
+      <a:schemeClr val="accent1">
+        <a:tint val="50000"/>
+      </a:schemeClr>
+    </dgm:fillClrLst>
+    <dgm:linClrLst meth="repeat">
+      <a:schemeClr val="lt1"/>
+    </dgm:linClrLst>
+    <dgm:effectClrLst/>
+    <dgm:txLinClrLst/>
+    <dgm:txFillClrLst meth="repeat">
+      <a:schemeClr val="lt1"/>
+    </dgm:txFillClrLst>
+    <dgm:txEffectClrLst/>
+  </dgm:styleLbl>
+  <dgm:styleLbl name="sibTrans2D1">
+    <dgm:fillClrLst meth="repeat">
+      <a:schemeClr val="accent1">
+        <a:tint val="60000"/>
+      </a:schemeClr>
+    </dgm:fillClrLst>
+    <dgm:linClrLst meth="repeat">
+      <a:schemeClr val="accent1">
+        <a:tint val="60000"/>
+      </a:schemeClr>
+    </dgm:linClrLst>
+    <dgm:effectClrLst/>
+    <dgm:txLinClrLst/>
+    <dgm:txFillClrLst/>
+    <dgm:txEffectClrLst/>
+  </dgm:styleLbl>
+  <dgm:styleLbl name="fgSibTrans2D1">
+    <dgm:fillClrLst meth="repeat">
+      <a:schemeClr val="accent1">
+        <a:tint val="60000"/>
+      </a:schemeClr>
+    </dgm:fillClrLst>
+    <dgm:linClrLst meth="repeat">
+      <a:schemeClr val="accent1">
+        <a:tint val="60000"/>
+      </a:schemeClr>
+    </dgm:linClrLst>
+    <dgm:effectClrLst/>
+    <dgm:txLinClrLst/>
+    <dgm:txFillClrLst/>
+    <dgm:txEffectClrLst/>
+  </dgm:styleLbl>
+  <dgm:styleLbl name="bgSibTrans2D1">
+    <dgm:fillClrLst meth="repeat">
+      <a:schemeClr val="accent1">
+        <a:tint val="60000"/>
+      </a:schemeClr>
+    </dgm:fillClrLst>
+    <dgm:linClrLst meth="repeat">
+      <a:schemeClr val="accent1">
+        <a:tint val="60000"/>
+      </a:schemeClr>
+    </dgm:linClrLst>
+    <dgm:effectClrLst/>
+    <dgm:txLinClrLst/>
+    <dgm:txFillClrLst/>
+    <dgm:txEffectClrLst/>
+  </dgm:styleLbl>
+  <dgm:styleLbl name="sibTrans1D1">
+    <dgm:fillClrLst meth="repeat">
+      <a:schemeClr val="accent1"/>
+    </dgm:fillClrLst>
+    <dgm:linClrLst meth="repeat">
+      <a:schemeClr val="accent1"/>
+    </dgm:linClrLst>
+    <dgm:effectClrLst/>
+    <dgm:txLinClrLst/>
+    <dgm:txFillClrLst meth="repeat">
+      <a:schemeClr val="tx1"/>
+    </dgm:txFillClrLst>
+    <dgm:txEffectClrLst/>
+  </dgm:styleLbl>
+  <dgm:styleLbl name="callout">
+    <dgm:fillClrLst meth="repeat">
+      <a:schemeClr val="accent1"/>
+    </dgm:fillClrLst>
+    <dgm:linClrLst meth="repeat">
+      <a:schemeClr val="accent1">
+        <a:tint val="50000"/>
+      </a:schemeClr>
+    </dgm:linClrLst>
+    <dgm:effectClrLst/>
+    <dgm:txLinClrLst/>
+    <dgm:txFillClrLst meth="repeat">
+      <a:schemeClr val="tx1"/>
+    </dgm:txFillClrLst>
+    <dgm:txEffectClrLst/>
+  </dgm:styleLbl>
+  <dgm:styleLbl name="asst0">
+    <dgm:fillClrLst meth="repeat">
+      <a:schemeClr val="accent1"/>
+    </dgm:fillClrLst>
+    <dgm:linClrLst meth="repeat">
+      <a:schemeClr val="lt1"/>
+    </dgm:linClrLst>
+    <dgm:effectClrLst/>
+    <dgm:txLinClrLst/>
+    <dgm:txFillClrLst/>
+    <dgm:txEffectClrLst/>
+  </dgm:styleLbl>
+  <dgm:styleLbl name="asst1">
+    <dgm:fillClrLst meth="repeat">
+      <a:schemeClr val="accent1"/>
+    </dgm:fillClrLst>
+    <dgm:linClrLst meth="repeat">
+      <a:schemeClr val="lt1"/>
+    </dgm:linClrLst>
+    <dgm:effectClrLst/>
+    <dgm:txLinClrLst/>
+    <dgm:txFillClrLst/>
+    <dgm:txEffectClrLst/>
+  </dgm:styleLbl>
+  <dgm:styleLbl name="asst2">
+    <dgm:fillClrLst meth="repeat">
+      <a:schemeClr val="accent1"/>
+    </dgm:fillClrLst>
+    <dgm:linClrLst meth="repeat">
+      <a:schemeClr val="lt1"/>
+    </dgm:linClrLst>
+    <dgm:effectClrLst/>
+    <dgm:txLinClrLst/>
+    <dgm:txFillClrLst/>
+    <dgm:txEffectClrLst/>
+  </dgm:styleLbl>
+  <dgm:styleLbl name="asst3">
+    <dgm:fillClrLst meth="repeat">
+      <a:schemeClr val="accent1"/>
+    </dgm:fillClrLst>
+    <dgm:linClrLst meth="repeat">
+      <a:schemeClr val="lt1"/>
+    </dgm:linClrLst>
+    <dgm:effectClrLst/>
+    <dgm:txLinClrLst/>
+    <dgm:txFillClrLst/>
+    <dgm:txEffectClrLst/>
+  </dgm:styleLbl>
+  <dgm:styleLbl name="asst4">
+    <dgm:fillClrLst meth="repeat">
+      <a:schemeClr val="accent1"/>
+    </dgm:fillClrLst>
+    <dgm:linClrLst meth="repeat">
+      <a:schemeClr val="lt1"/>
+    </dgm:linClrLst>
+    <dgm:effectClrLst/>
+    <dgm:txLinClrLst/>
+    <dgm:txFillClrLst/>
+    <dgm:txEffectClrLst/>
+  </dgm:styleLbl>
+  <dgm:styleLbl name="parChTrans2D1">
+    <dgm:fillClrLst meth="repeat">
+      <a:schemeClr val="accent1">
+        <a:tint val="60000"/>
+      </a:schemeClr>
+    </dgm:fillClrLst>
+    <dgm:linClrLst meth="repeat">
+      <a:schemeClr val="accent1">
+        <a:tint val="60000"/>
+      </a:schemeClr>
+    </dgm:linClrLst>
+    <dgm:effectClrLst/>
+    <dgm:txLinClrLst/>
+    <dgm:txFillClrLst meth="repeat">
+      <a:schemeClr val="lt1"/>
+    </dgm:txFillClrLst>
+    <dgm:txEffectClrLst/>
+  </dgm:styleLbl>
+  <dgm:styleLbl name="parChTrans2D2">
+    <dgm:fillClrLst meth="repeat">
+      <a:schemeClr val="accent1"/>
+    </dgm:fillClrLst>
+    <dgm:linClrLst meth="repeat">
+      <a:schemeClr val="accent1"/>
+    </dgm:linClrLst>
+    <dgm:effectClrLst/>
+    <dgm:txLinClrLst/>
+    <dgm:txFillClrLst meth="repeat">
+      <a:schemeClr val="lt1"/>
+    </dgm:txFillClrLst>
+    <dgm:txEffectClrLst/>
+  </dgm:styleLbl>
+  <dgm:styleLbl name="parChTrans2D3">
+    <dgm:fillClrLst meth="repeat">
+      <a:schemeClr val="accent1"/>
+    </dgm:fillClrLst>
+    <dgm:linClrLst meth="repeat">
+      <a:schemeClr val="accent1"/>
+    </dgm:linClrLst>
+    <dgm:effectClrLst/>
+    <dgm:txLinClrLst/>
+    <dgm:txFillClrLst meth="repeat">
+      <a:schemeClr val="lt1"/>
+    </dgm:txFillClrLst>
+    <dgm:txEffectClrLst/>
+  </dgm:styleLbl>
+  <dgm:styleLbl name="parChTrans2D4">
+    <dgm:fillClrLst meth="repeat">
+      <a:schemeClr val="accent1"/>
+    </dgm:fillClrLst>
+    <dgm:linClrLst meth="repeat">
+      <a:schemeClr val="accent1"/>
+    </dgm:linClrLst>
+    <dgm:effectClrLst/>
+    <dgm:txLinClrLst/>
+    <dgm:txFillClrLst meth="repeat">
+      <a:schemeClr val="lt1"/>
+    </dgm:txFillClrLst>
+    <dgm:txEffectClrLst/>
+  </dgm:styleLbl>
+  <dgm:styleLbl name="parChTrans1D1">
+    <dgm:fillClrLst meth="repeat">
+      <a:schemeClr val="accent1"/>
+    </dgm:fillClrLst>
+    <dgm:linClrLst meth="repeat">
+      <a:schemeClr val="accent1">
+        <a:shade val="60000"/>
+      </a:schemeClr>
+    </dgm:linClrLst>
+    <dgm:effectClrLst/>
+    <dgm:txLinClrLst/>
+    <dgm:txFillClrLst meth="repeat">
+      <a:schemeClr val="tx1"/>
+    </dgm:txFillClrLst>
+    <dgm:txEffectClrLst/>
+  </dgm:styleLbl>
+  <dgm:styleLbl name="parChTrans1D2">
+    <dgm:fillClrLst meth="repeat">
+      <a:schemeClr val="accent1"/>
+    </dgm:fillClrLst>
+    <dgm:linClrLst meth="repeat">
+      <a:schemeClr val="accent1">
+        <a:shade val="60000"/>
+      </a:schemeClr>
+    </dgm:linClrLst>
+    <dgm:effectClrLst/>
+    <dgm:txLinClrLst/>
+    <dgm:txFillClrLst meth="repeat">
+      <a:schemeClr val="tx1"/>
+    </dgm:txFillClrLst>
+    <dgm:txEffectClrLst/>
+  </dgm:styleLbl>
+  <dgm:styleLbl name="parChTrans1D3">
+    <dgm:fillClrLst meth="repeat">
+      <a:schemeClr val="accent1"/>
+    </dgm:fillClrLst>
+    <dgm:linClrLst meth="repeat">
+      <a:schemeClr val="accent1">
+        <a:shade val="80000"/>
+      </a:schemeClr>
+    </dgm:linClrLst>
+    <dgm:effectClrLst/>
+    <dgm:txLinClrLst/>
+    <dgm:txFillClrLst meth="repeat">
+      <a:schemeClr val="tx1"/>
+    </dgm:txFillClrLst>
+    <dgm:txEffectClrLst/>
+  </dgm:styleLbl>
+  <dgm:styleLbl name="parChTrans1D4">
+    <dgm:fillClrLst meth="repeat">
+      <a:schemeClr val="accent1"/>
+    </dgm:fillClrLst>
+    <dgm:linClrLst meth="repeat">
+      <a:schemeClr val="accent1">
+        <a:shade val="80000"/>
+      </a:schemeClr>
+    </dgm:linClrLst>
+    <dgm:effectClrLst/>
+    <dgm:txLinClrLst/>
+    <dgm:txFillClrLst meth="repeat">
+      <a:schemeClr val="tx1"/>
+    </dgm:txFillClrLst>
+    <dgm:txEffectClrLst/>
+  </dgm:styleLbl>
+  <dgm:styleLbl name="fgAcc1">
+    <dgm:fillClrLst meth="repeat">
+      <a:schemeClr val="lt1">
+        <a:alpha val="90000"/>
+      </a:schemeClr>
+    </dgm:fillClrLst>
+    <dgm:linClrLst meth="repeat">
+      <a:schemeClr val="accent1"/>
+    </dgm:linClrLst>
+    <dgm:effectClrLst/>
+    <dgm:txLinClrLst/>
+    <dgm:txFillClrLst meth="repeat">
+      <a:schemeClr val="dk1"/>
+    </dgm:txFillClrLst>
+    <dgm:txEffectClrLst/>
+  </dgm:styleLbl>
+  <dgm:styleLbl name="conFgAcc1">
+    <dgm:fillClrLst meth="repeat">
+      <a:schemeClr val="lt1">
+        <a:alpha val="90000"/>
+      </a:schemeClr>
+    </dgm:fillClrLst>
+    <dgm:linClrLst meth="repeat">
+      <a:schemeClr val="accent1"/>
+    </dgm:linClrLst>
+    <dgm:effectClrLst/>
+    <dgm:txLinClrLst/>
+    <dgm:txFillClrLst meth="repeat">
+      <a:schemeClr val="dk1"/>
+    </dgm:txFillClrLst>
+    <dgm:txEffectClrLst/>
+  </dgm:styleLbl>
+  <dgm:styleLbl name="alignAcc1">
+    <dgm:fillClrLst meth="repeat">
+      <a:schemeClr val="lt1">
+        <a:alpha val="90000"/>
+      </a:schemeClr>
+    </dgm:fillClrLst>
+    <dgm:linClrLst meth="repeat">
+      <a:schemeClr val="accent1"/>
+    </dgm:linClrLst>
+    <dgm:effectClrLst/>
+    <dgm:txLinClrLst/>
+    <dgm:txFillClrLst meth="repeat">
+      <a:schemeClr val="dk1"/>
+    </dgm:txFillClrLst>
+    <dgm:txEffectClrLst/>
+  </dgm:styleLbl>
+  <dgm:styleLbl name="trAlignAcc1">
+    <dgm:fillClrLst meth="repeat">
+      <a:schemeClr val="lt1">
+        <a:alpha val="40000"/>
+      </a:schemeClr>
+    </dgm:fillClrLst>
+    <dgm:linClrLst meth="repeat">
+      <a:schemeClr val="accent1"/>
+    </dgm:linClrLst>
+    <dgm:effectClrLst/>
+    <dgm:txLinClrLst/>
+    <dgm:txFillClrLst meth="repeat">
+      <a:schemeClr val="dk1"/>
+    </dgm:txFillClrLst>
+    <dgm:txEffectClrLst/>
+  </dgm:styleLbl>
+  <dgm:styleLbl name="bgAcc1">
+    <dgm:fillClrLst meth="repeat">
+      <a:schemeClr val="lt1">
+        <a:alpha val="90000"/>
+      </a:schemeClr>
+    </dgm:fillClrLst>
+    <dgm:linClrLst meth="repeat">
+      <a:schemeClr val="accent1"/>
+    </dgm:linClrLst>
+    <dgm:effectClrLst/>
+    <dgm:txLinClrLst/>
+    <dgm:txFillClrLst meth="repeat">
+      <a:schemeClr val="dk1"/>
+    </dgm:txFillClrLst>
+    <dgm:txEffectClrLst/>
+  </dgm:styleLbl>
+  <dgm:styleLbl name="solidFgAcc1">
+    <dgm:fillClrLst meth="repeat">
+      <a:schemeClr val="lt1"/>
+    </dgm:fillClrLst>
+    <dgm:linClrLst meth="repeat">
+      <a:schemeClr val="accent1"/>
+    </dgm:linClrLst>
+    <dgm:effectClrLst/>
+    <dgm:txLinClrLst/>
+    <dgm:txFillClrLst meth="repeat">
+      <a:schemeClr val="dk1"/>
+    </dgm:txFillClrLst>
+    <dgm:txEffectClrLst/>
+  </dgm:styleLbl>
+  <dgm:styleLbl name="solidAlignAcc1">
+    <dgm:fillClrLst meth="repeat">
+      <a:schemeClr val="lt1"/>
+    </dgm:fillClrLst>
+    <dgm:linClrLst meth="repeat">
+      <a:schemeClr val="accent1"/>
+    </dgm:linClrLst>
+    <dgm:effectClrLst/>
+    <dgm:txLinClrLst/>
+    <dgm:txFillClrLst meth="repeat">
+      <a:schemeClr val="dk1"/>
+    </dgm:txFillClrLst>
+    <dgm:txEffectClrLst/>
+  </dgm:styleLbl>
+  <dgm:styleLbl name="solidBgAcc1">
+    <dgm:fillClrLst meth="repeat">
+      <a:schemeClr val="lt1"/>
+    </dgm:fillClrLst>
+    <dgm:linClrLst meth="repeat">
+      <a:schemeClr val="accent1"/>
+    </dgm:linClrLst>
+    <dgm:effectClrLst/>
+    <dgm:txLinClrLst/>
+    <dgm:txFillClrLst meth="repeat">
+      <a:schemeClr val="dk1"/>
+    </dgm:txFillClrLst>
+    <dgm:txEffectClrLst/>
+  </dgm:styleLbl>
+  <dgm:styleLbl name="fgAccFollowNode1">
+    <dgm:fillClrLst meth="repeat">
+      <a:schemeClr val="accent1">
+        <a:alpha val="90000"/>
+        <a:tint val="40000"/>
+      </a:schemeClr>
+    </dgm:fillClrLst>
+    <dgm:linClrLst meth="repeat">
+      <a:schemeClr val="accent1">
+        <a:alpha val="90000"/>
+        <a:tint val="40000"/>
+      </a:schemeClr>
+    </dgm:linClrLst>
+    <dgm:effectClrLst/>
+    <dgm:txLinClrLst/>
+    <dgm:txFillClrLst meth="repeat">
+      <a:schemeClr val="dk1"/>
+    </dgm:txFillClrLst>
+    <dgm:txEffectClrLst/>
+  </dgm:styleLbl>
+  <dgm:styleLbl name="alignAccFollowNode1">
+    <dgm:fillClrLst meth="repeat">
+      <a:schemeClr val="accent1">
+        <a:alpha val="90000"/>
+        <a:tint val="40000"/>
+      </a:schemeClr>
+    </dgm:fillClrLst>
+    <dgm:linClrLst meth="repeat">
+      <a:schemeClr val="accent1">
+        <a:alpha val="90000"/>
+        <a:tint val="40000"/>
+      </a:schemeClr>
+    </dgm:linClrLst>
+    <dgm:effectClrLst/>
+    <dgm:txLinClrLst/>
+    <dgm:txFillClrLst meth="repeat">
+      <a:schemeClr val="dk1"/>
+    </dgm:txFillClrLst>
+    <dgm:txEffectClrLst/>
+  </dgm:styleLbl>
+  <dgm:styleLbl name="bgAccFollowNode1">
+    <dgm:fillClrLst meth="repeat">
+      <a:schemeClr val="accent1">
+        <a:alpha val="90000"/>
+        <a:tint val="40000"/>
+      </a:schemeClr>
+    </dgm:fillClrLst>
+    <dgm:linClrLst meth="repeat">
+      <a:schemeClr val="accent1">
+        <a:alpha val="90000"/>
+        <a:tint val="40000"/>
+      </a:schemeClr>
+    </dgm:linClrLst>
+    <dgm:effectClrLst/>
+    <dgm:txLinClrLst/>
+    <dgm:txFillClrLst meth="repeat">
+      <a:schemeClr val="dk1"/>
+    </dgm:txFillClrLst>
+    <dgm:txEffectClrLst/>
+  </dgm:styleLbl>
+  <dgm:styleLbl name="fgAcc0">
+    <dgm:fillClrLst meth="repeat">
+      <a:schemeClr val="lt1">
+        <a:alpha val="90000"/>
+      </a:schemeClr>
+    </dgm:fillClrLst>
+    <dgm:linClrLst meth="repeat">
+      <a:schemeClr val="accent1"/>
+    </dgm:linClrLst>
+    <dgm:effectClrLst/>
+    <dgm:txLinClrLst/>
+    <dgm:txFillClrLst meth="repeat">
+      <a:schemeClr val="dk1"/>
+    </dgm:txFillClrLst>
+    <dgm:txEffectClrLst/>
+  </dgm:styleLbl>
+  <dgm:styleLbl name="fgAcc2">
+    <dgm:fillClrLst meth="repeat">
+      <a:schemeClr val="lt1">
+        <a:alpha val="90000"/>
+      </a:schemeClr>
+    </dgm:fillClrLst>
+    <dgm:linClrLst meth="repeat">
+      <a:schemeClr val="accent1"/>
+    </dgm:linClrLst>
+    <dgm:effectClrLst/>
+    <dgm:txLinClrLst/>
+    <dgm:txFillClrLst meth="repeat">
+      <a:schemeClr val="dk1"/>
+    </dgm:txFillClrLst>
+    <dgm:txEffectClrLst/>
+  </dgm:styleLbl>
+  <dgm:styleLbl name="fgAcc3">
+    <dgm:fillClrLst meth="repeat">
+      <a:schemeClr val="lt1">
+        <a:alpha val="90000"/>
+      </a:schemeClr>
+    </dgm:fillClrLst>
+    <dgm:linClrLst meth="repeat">
+      <a:schemeClr val="accent1"/>
+    </dgm:linClrLst>
+    <dgm:effectClrLst/>
+    <dgm:txLinClrLst/>
+    <dgm:txFillClrLst meth="repeat">
+      <a:schemeClr val="dk1"/>
+    </dgm:txFillClrLst>
+    <dgm:txEffectClrLst/>
+  </dgm:styleLbl>
+  <dgm:styleLbl name="fgAcc4">
+    <dgm:fillClrLst meth="repeat">
+      <a:schemeClr val="lt1">
+        <a:alpha val="90000"/>
+      </a:schemeClr>
+    </dgm:fillClrLst>
+    <dgm:linClrLst meth="repeat">
+      <a:schemeClr val="accent1"/>
+    </dgm:linClrLst>
+    <dgm:effectClrLst/>
+    <dgm:txLinClrLst/>
+    <dgm:txFillClrLst meth="repeat">
+      <a:schemeClr val="dk1"/>
+    </dgm:txFillClrLst>
+    <dgm:txEffectClrLst/>
+  </dgm:styleLbl>
+  <dgm:styleLbl name="bgShp">
+    <dgm:fillClrLst meth="repeat">
+      <a:schemeClr val="accent1">
+        <a:tint val="40000"/>
+      </a:schemeClr>
+    </dgm:fillClrLst>
+    <dgm:linClrLst meth="repeat">
+      <a:schemeClr val="accent1"/>
+    </dgm:linClrLst>
+    <dgm:effectClrLst/>
+    <dgm:txLinClrLst/>
+    <dgm:txFillClrLst meth="repeat">
+      <a:schemeClr val="dk1"/>
+    </dgm:txFillClrLst>
+    <dgm:txEffectClrLst/>
+  </dgm:styleLbl>
+  <dgm:styleLbl name="dkBgShp">
+    <dgm:fillClrLst meth="repeat">
+      <a:schemeClr val="accent1">
+        <a:shade val="80000"/>
+      </a:schemeClr>
+    </dgm:fillClrLst>
+    <dgm:linClrLst meth="repeat">
+      <a:schemeClr val="accent1"/>
+    </dgm:linClrLst>
+    <dgm:effectClrLst/>
+    <dgm:txLinClrLst/>
+    <dgm:txFillClrLst meth="repeat">
+      <a:schemeClr val="lt1"/>
+    </dgm:txFillClrLst>
+    <dgm:txEffectClrLst/>
+  </dgm:styleLbl>
+  <dgm:styleLbl name="trBgShp">
+    <dgm:fillClrLst meth="repeat">
+      <a:schemeClr val="accent1">
+        <a:tint val="50000"/>
+        <a:alpha val="40000"/>
+      </a:schemeClr>
+    </dgm:fillClrLst>
+    <dgm:linClrLst meth="repeat">
+      <a:schemeClr val="accent1"/>
+    </dgm:linClrLst>
+    <dgm:effectClrLst/>
+    <dgm:txLinClrLst/>
+    <dgm:txFillClrLst meth="repeat">
+      <a:schemeClr val="lt1"/>
+    </dgm:txFillClrLst>
+    <dgm:txEffectClrLst/>
+  </dgm:styleLbl>
+  <dgm:styleLbl name="fgShp">
+    <dgm:fillClrLst meth="repeat">
+      <a:schemeClr val="accent1">
+        <a:tint val="60000"/>
+      </a:schemeClr>
+    </dgm:fillClrLst>
+    <dgm:linClrLst meth="repeat">
+      <a:schemeClr val="lt1"/>
+    </dgm:linClrLst>
+    <dgm:effectClrLst/>
+    <dgm:txLinClrLst/>
+    <dgm:txFillClrLst meth="repeat">
+      <a:schemeClr val="dk1"/>
+    </dgm:txFillClrLst>
+    <dgm:txEffectClrLst/>
+  </dgm:styleLbl>
+  <dgm:styleLbl name="revTx">
+    <dgm:fillClrLst meth="repeat">
+      <a:schemeClr val="lt1">
+        <a:alpha val="0"/>
+      </a:schemeClr>
+    </dgm:fillClrLst>
+    <dgm:linClrLst meth="repeat">
+      <a:schemeClr val="dk1">
+        <a:alpha val="0"/>
+      </a:schemeClr>
+    </dgm:linClrLst>
+    <dgm:effectClrLst/>
+    <dgm:txLinClrLst/>
+    <dgm:txFillClrLst meth="repeat">
+      <a:schemeClr val="tx1"/>
+    </dgm:txFillClrLst>
+    <dgm:txEffectClrLst/>
+  </dgm:styleLbl>
+</dgm:colorsDef>
+</file>
+
+<file path=ppt/diagrams/data1.xml><?xml version="1.0" encoding="utf-8"?>
+<dgm:dataModel xmlns:dgm="http://schemas.openxmlformats.org/drawingml/2006/diagram" xmlns:a="http://schemas.openxmlformats.org/drawingml/2006/main">
+  <dgm:ptLst>
+    <dgm:pt modelId="{97EBAC3A-16AA-4FB4-9916-0D54838B29E9}" type="doc">
+      <dgm:prSet loTypeId="urn:microsoft.com/office/officeart/2005/8/layout/radial5" loCatId="relationship" qsTypeId="urn:microsoft.com/office/officeart/2005/8/quickstyle/simple1" qsCatId="simple" csTypeId="urn:microsoft.com/office/officeart/2005/8/colors/accent1_2" csCatId="accent1" phldr="1"/>
+      <dgm:spPr/>
+      <dgm:t>
+        <a:bodyPr/>
+        <a:lstStyle/>
+        <a:p>
+          <a:endParaRPr lang="fr-FR"/>
+        </a:p>
+      </dgm:t>
+    </dgm:pt>
+    <dgm:pt modelId="{F7A2C469-2CF2-49C7-9490-BD6D68B7ED0A}">
+      <dgm:prSet phldrT="[Texte]"/>
+      <dgm:spPr/>
+      <dgm:t>
+        <a:bodyPr/>
+        <a:lstStyle/>
+        <a:p>
+          <a:r>
+            <a:rPr lang="en-GB" noProof="0" dirty="0"/>
+            <a:t>DevOps Committee</a:t>
+          </a:r>
+        </a:p>
+      </dgm:t>
+    </dgm:pt>
+    <dgm:pt modelId="{7FE74993-D789-45F5-AB88-307B1BC2CEA0}" type="parTrans" cxnId="{1BCCBA8E-2DF2-4964-A72A-8B7F1E8A5389}">
+      <dgm:prSet/>
+      <dgm:spPr/>
+      <dgm:t>
+        <a:bodyPr/>
+        <a:lstStyle/>
+        <a:p>
+          <a:endParaRPr lang="en-GB" noProof="0" dirty="0"/>
+        </a:p>
+      </dgm:t>
+    </dgm:pt>
+    <dgm:pt modelId="{6D6E47A6-2483-4A8F-A031-86F182C816F1}" type="sibTrans" cxnId="{1BCCBA8E-2DF2-4964-A72A-8B7F1E8A5389}">
+      <dgm:prSet/>
+      <dgm:spPr/>
+      <dgm:t>
+        <a:bodyPr/>
+        <a:lstStyle/>
+        <a:p>
+          <a:endParaRPr lang="en-GB" noProof="0" dirty="0"/>
+        </a:p>
+      </dgm:t>
+    </dgm:pt>
+    <dgm:pt modelId="{4E5BD71E-0E67-48E1-91B1-53D10AA77F9A}">
+      <dgm:prSet phldrT="[Texte]">
+        <dgm:style>
+          <a:lnRef idx="1">
+            <a:schemeClr val="accent4"/>
+          </a:lnRef>
+          <a:fillRef idx="3">
+            <a:schemeClr val="accent4"/>
+          </a:fillRef>
+          <a:effectRef idx="2">
+            <a:schemeClr val="accent4"/>
+          </a:effectRef>
+          <a:fontRef idx="minor">
+            <a:schemeClr val="lt1"/>
+          </a:fontRef>
+        </dgm:style>
+      </dgm:prSet>
+      <dgm:spPr/>
+      <dgm:t>
+        <a:bodyPr/>
+        <a:lstStyle/>
+        <a:p>
+          <a:r>
+            <a:rPr lang="en-GB" noProof="0" dirty="0"/>
+            <a:t>Solution Architect Team A</a:t>
+          </a:r>
+        </a:p>
+      </dgm:t>
+    </dgm:pt>
+    <dgm:pt modelId="{D7F9AECF-60D7-4326-908A-B2DF9271A4A9}" type="parTrans" cxnId="{5B6ACD08-F732-43D1-A84B-F06AA52D6C2E}">
+      <dgm:prSet/>
+      <dgm:spPr/>
+      <dgm:t>
+        <a:bodyPr/>
+        <a:lstStyle/>
+        <a:p>
+          <a:endParaRPr lang="en-GB" noProof="0" dirty="0"/>
+        </a:p>
+      </dgm:t>
+    </dgm:pt>
+    <dgm:pt modelId="{CCE81DFC-9BDD-49C1-B819-B11F9A0BD3B6}" type="sibTrans" cxnId="{5B6ACD08-F732-43D1-A84B-F06AA52D6C2E}">
+      <dgm:prSet/>
+      <dgm:spPr/>
+      <dgm:t>
+        <a:bodyPr/>
+        <a:lstStyle/>
+        <a:p>
+          <a:endParaRPr lang="en-GB" noProof="0" dirty="0"/>
+        </a:p>
+      </dgm:t>
+    </dgm:pt>
+    <dgm:pt modelId="{8BB253C7-A69D-4561-9002-DA2CB5798968}">
+      <dgm:prSet phldrT="[Texte]">
+        <dgm:style>
+          <a:lnRef idx="1">
+            <a:schemeClr val="accent4"/>
+          </a:lnRef>
+          <a:fillRef idx="3">
+            <a:schemeClr val="accent4"/>
+          </a:fillRef>
+          <a:effectRef idx="2">
+            <a:schemeClr val="accent4"/>
+          </a:effectRef>
+          <a:fontRef idx="minor">
+            <a:schemeClr val="lt1"/>
+          </a:fontRef>
+        </dgm:style>
+      </dgm:prSet>
+      <dgm:spPr/>
+      <dgm:t>
+        <a:bodyPr/>
+        <a:lstStyle/>
+        <a:p>
+          <a:r>
+            <a:rPr lang="en-GB" noProof="0" dirty="0"/>
+            <a:t>Solution Architect Team B</a:t>
+          </a:r>
+        </a:p>
+      </dgm:t>
+    </dgm:pt>
+    <dgm:pt modelId="{B2E2DBB7-811A-463B-AD9F-CEC8F78A5ED3}" type="parTrans" cxnId="{E973951F-F82E-459D-9989-6232A6285ECF}">
+      <dgm:prSet/>
+      <dgm:spPr/>
+      <dgm:t>
+        <a:bodyPr/>
+        <a:lstStyle/>
+        <a:p>
+          <a:endParaRPr lang="en-GB" noProof="0" dirty="0"/>
+        </a:p>
+      </dgm:t>
+    </dgm:pt>
+    <dgm:pt modelId="{6E25E113-94D9-440F-97CB-97D90F8B616A}" type="sibTrans" cxnId="{E973951F-F82E-459D-9989-6232A6285ECF}">
+      <dgm:prSet/>
+      <dgm:spPr/>
+      <dgm:t>
+        <a:bodyPr/>
+        <a:lstStyle/>
+        <a:p>
+          <a:endParaRPr lang="en-GB" noProof="0" dirty="0"/>
+        </a:p>
+      </dgm:t>
+    </dgm:pt>
+    <dgm:pt modelId="{E74FE269-D949-4938-9B58-F58F8A8EE5A3}">
+      <dgm:prSet phldrT="[Texte]">
+        <dgm:style>
+          <a:lnRef idx="1">
+            <a:schemeClr val="accent4"/>
+          </a:lnRef>
+          <a:fillRef idx="3">
+            <a:schemeClr val="accent4"/>
+          </a:fillRef>
+          <a:effectRef idx="2">
+            <a:schemeClr val="accent4"/>
+          </a:effectRef>
+          <a:fontRef idx="minor">
+            <a:schemeClr val="lt1"/>
+          </a:fontRef>
+        </dgm:style>
+      </dgm:prSet>
+      <dgm:spPr/>
+      <dgm:t>
+        <a:bodyPr/>
+        <a:lstStyle/>
+        <a:p>
+          <a:r>
+            <a:rPr lang="en-GB" noProof="0" dirty="0"/>
+            <a:t>Solution Architect Team Y</a:t>
+          </a:r>
+        </a:p>
+      </dgm:t>
+    </dgm:pt>
+    <dgm:pt modelId="{D7E8C615-4C44-43F0-85E9-53EA9C4A56C3}" type="parTrans" cxnId="{DD864732-0D8F-4F8F-AA7B-4B3F94BD15B3}">
+      <dgm:prSet/>
+      <dgm:spPr/>
+      <dgm:t>
+        <a:bodyPr/>
+        <a:lstStyle/>
+        <a:p>
+          <a:endParaRPr lang="en-GB" noProof="0" dirty="0"/>
+        </a:p>
+      </dgm:t>
+    </dgm:pt>
+    <dgm:pt modelId="{25DA0A74-458E-458B-BADD-03779AF7CA76}" type="sibTrans" cxnId="{DD864732-0D8F-4F8F-AA7B-4B3F94BD15B3}">
+      <dgm:prSet/>
+      <dgm:spPr/>
+      <dgm:t>
+        <a:bodyPr/>
+        <a:lstStyle/>
+        <a:p>
+          <a:endParaRPr lang="en-GB" noProof="0" dirty="0"/>
+        </a:p>
+      </dgm:t>
+    </dgm:pt>
+    <dgm:pt modelId="{878A4BFE-5AE9-43AD-8ADA-79A57DE5B205}">
+      <dgm:prSet phldrT="[Texte]">
+        <dgm:style>
+          <a:lnRef idx="1">
+            <a:schemeClr val="accent4"/>
+          </a:lnRef>
+          <a:fillRef idx="3">
+            <a:schemeClr val="accent4"/>
+          </a:fillRef>
+          <a:effectRef idx="2">
+            <a:schemeClr val="accent4"/>
+          </a:effectRef>
+          <a:fontRef idx="minor">
+            <a:schemeClr val="lt1"/>
+          </a:fontRef>
+        </dgm:style>
+      </dgm:prSet>
+      <dgm:spPr/>
+      <dgm:t>
+        <a:bodyPr/>
+        <a:lstStyle/>
+        <a:p>
+          <a:r>
+            <a:rPr lang="en-GB" noProof="0" dirty="0"/>
+            <a:t>Solution Architect Team Z</a:t>
+          </a:r>
+        </a:p>
+      </dgm:t>
+    </dgm:pt>
+    <dgm:pt modelId="{ED2E712B-4454-4982-9009-51EC5924499C}" type="parTrans" cxnId="{BE6883BF-CAF5-422C-B73E-726AC87F0C31}">
+      <dgm:prSet/>
+      <dgm:spPr/>
+      <dgm:t>
+        <a:bodyPr/>
+        <a:lstStyle/>
+        <a:p>
+          <a:endParaRPr lang="en-GB" noProof="0" dirty="0"/>
+        </a:p>
+      </dgm:t>
+    </dgm:pt>
+    <dgm:pt modelId="{68F15A0B-F8A2-4038-8C31-268415082425}" type="sibTrans" cxnId="{BE6883BF-CAF5-422C-B73E-726AC87F0C31}">
+      <dgm:prSet/>
+      <dgm:spPr/>
+      <dgm:t>
+        <a:bodyPr/>
+        <a:lstStyle/>
+        <a:p>
+          <a:endParaRPr lang="en-GB" noProof="0" dirty="0"/>
+        </a:p>
+      </dgm:t>
+    </dgm:pt>
+    <dgm:pt modelId="{AD01A799-CED8-482C-A313-E47AE32FF534}">
+      <dgm:prSet phldrT="[Texte]">
+        <dgm:style>
+          <a:lnRef idx="1">
+            <a:schemeClr val="accent6"/>
+          </a:lnRef>
+          <a:fillRef idx="3">
+            <a:schemeClr val="accent6"/>
+          </a:fillRef>
+          <a:effectRef idx="2">
+            <a:schemeClr val="accent6"/>
+          </a:effectRef>
+          <a:fontRef idx="minor">
+            <a:schemeClr val="lt1"/>
+          </a:fontRef>
+        </dgm:style>
+      </dgm:prSet>
+      <dgm:spPr/>
+      <dgm:t>
+        <a:bodyPr/>
+        <a:lstStyle/>
+        <a:p>
+          <a:r>
+            <a:rPr lang="en-GB" noProof="0" dirty="0"/>
+            <a:t>Technical Expert Infrastructure Microsoft</a:t>
+          </a:r>
+        </a:p>
+      </dgm:t>
+    </dgm:pt>
+    <dgm:pt modelId="{9FB8DB66-3CF5-4EF5-BCD6-282129A12399}" type="parTrans" cxnId="{0E68EF58-5FF6-4A90-A517-6956CE389193}">
+      <dgm:prSet/>
+      <dgm:spPr/>
+      <dgm:t>
+        <a:bodyPr/>
+        <a:lstStyle/>
+        <a:p>
+          <a:endParaRPr lang="en-GB" noProof="0" dirty="0"/>
+        </a:p>
+      </dgm:t>
+    </dgm:pt>
+    <dgm:pt modelId="{2E5A4E8B-DE56-4ED0-8911-B6FB791CF480}" type="sibTrans" cxnId="{0E68EF58-5FF6-4A90-A517-6956CE389193}">
+      <dgm:prSet/>
+      <dgm:spPr/>
+      <dgm:t>
+        <a:bodyPr/>
+        <a:lstStyle/>
+        <a:p>
+          <a:endParaRPr lang="en-GB" noProof="0" dirty="0"/>
+        </a:p>
+      </dgm:t>
+    </dgm:pt>
+    <dgm:pt modelId="{5CC45504-7FAF-46AA-A214-8DF8DB9CFBB6}">
+      <dgm:prSet phldrT="[Texte]">
+        <dgm:style>
+          <a:lnRef idx="1">
+            <a:schemeClr val="accent6"/>
+          </a:lnRef>
+          <a:fillRef idx="3">
+            <a:schemeClr val="accent6"/>
+          </a:fillRef>
+          <a:effectRef idx="2">
+            <a:schemeClr val="accent6"/>
+          </a:effectRef>
+          <a:fontRef idx="minor">
+            <a:schemeClr val="lt1"/>
+          </a:fontRef>
+        </dgm:style>
+      </dgm:prSet>
+      <dgm:spPr/>
+      <dgm:t>
+        <a:bodyPr/>
+        <a:lstStyle/>
+        <a:p>
+          <a:r>
+            <a:rPr lang="en-GB" noProof="0" dirty="0"/>
+            <a:t>Technical Expert Infrastructure Linux</a:t>
+          </a:r>
+        </a:p>
+      </dgm:t>
+    </dgm:pt>
+    <dgm:pt modelId="{AF193A75-185C-4237-AB6B-118BD1D720C7}" type="parTrans" cxnId="{E48AE25D-26FB-4C05-A804-C2358085E63E}">
+      <dgm:prSet/>
+      <dgm:spPr/>
+      <dgm:t>
+        <a:bodyPr/>
+        <a:lstStyle/>
+        <a:p>
+          <a:endParaRPr lang="en-GB" noProof="0" dirty="0"/>
+        </a:p>
+      </dgm:t>
+    </dgm:pt>
+    <dgm:pt modelId="{DFB5931C-A86A-46DE-973A-3861792042F0}" type="sibTrans" cxnId="{E48AE25D-26FB-4C05-A804-C2358085E63E}">
+      <dgm:prSet/>
+      <dgm:spPr/>
+      <dgm:t>
+        <a:bodyPr/>
+        <a:lstStyle/>
+        <a:p>
+          <a:endParaRPr lang="en-GB" noProof="0" dirty="0"/>
+        </a:p>
+      </dgm:t>
+    </dgm:pt>
+    <dgm:pt modelId="{606796F9-475E-45D6-9484-54D3190718DE}">
+      <dgm:prSet phldrT="[Texte]">
+        <dgm:style>
+          <a:lnRef idx="1">
+            <a:schemeClr val="accent6"/>
+          </a:lnRef>
+          <a:fillRef idx="3">
+            <a:schemeClr val="accent6"/>
+          </a:fillRef>
+          <a:effectRef idx="2">
+            <a:schemeClr val="accent6"/>
+          </a:effectRef>
+          <a:fontRef idx="minor">
+            <a:schemeClr val="lt1"/>
+          </a:fontRef>
+        </dgm:style>
+      </dgm:prSet>
+      <dgm:spPr/>
+      <dgm:t>
+        <a:bodyPr/>
+        <a:lstStyle/>
+        <a:p>
+          <a:r>
+            <a:rPr lang="en-GB" noProof="0" dirty="0"/>
+            <a:t>Technical Expert Infrastructure Databases</a:t>
+          </a:r>
+        </a:p>
+      </dgm:t>
+    </dgm:pt>
+    <dgm:pt modelId="{2E0559C4-811F-4418-ABB1-5246B9B49DDF}" type="parTrans" cxnId="{B848601E-648F-4E6A-A776-B051379CEF3D}">
+      <dgm:prSet/>
+      <dgm:spPr/>
+      <dgm:t>
+        <a:bodyPr/>
+        <a:lstStyle/>
+        <a:p>
+          <a:endParaRPr lang="en-GB" noProof="0" dirty="0"/>
+        </a:p>
+      </dgm:t>
+    </dgm:pt>
+    <dgm:pt modelId="{B8CDC0FC-684F-438A-BC52-189DB013D38B}" type="sibTrans" cxnId="{B848601E-648F-4E6A-A776-B051379CEF3D}">
+      <dgm:prSet/>
+      <dgm:spPr/>
+      <dgm:t>
+        <a:bodyPr/>
+        <a:lstStyle/>
+        <a:p>
+          <a:endParaRPr lang="en-GB" noProof="0" dirty="0"/>
+        </a:p>
+      </dgm:t>
+    </dgm:pt>
+    <dgm:pt modelId="{CE851309-1D02-4008-80BB-45F41CEE4959}">
+      <dgm:prSet phldrT="[Texte]">
+        <dgm:style>
+          <a:lnRef idx="1">
+            <a:schemeClr val="accent6"/>
+          </a:lnRef>
+          <a:fillRef idx="3">
+            <a:schemeClr val="accent6"/>
+          </a:fillRef>
+          <a:effectRef idx="2">
+            <a:schemeClr val="accent6"/>
+          </a:effectRef>
+          <a:fontRef idx="minor">
+            <a:schemeClr val="lt1"/>
+          </a:fontRef>
+        </dgm:style>
+      </dgm:prSet>
+      <dgm:spPr/>
+      <dgm:t>
+        <a:bodyPr/>
+        <a:lstStyle/>
+        <a:p>
+          <a:r>
+            <a:rPr lang="en-GB" noProof="0" dirty="0"/>
+            <a:t>Technical Expert Infrastructure Middleware</a:t>
+          </a:r>
+        </a:p>
+      </dgm:t>
+    </dgm:pt>
+    <dgm:pt modelId="{A158F527-DE66-4AC5-BBA0-B30949C194BB}" type="parTrans" cxnId="{AFAFE47D-B719-46D4-9631-C567AC1DC23D}">
+      <dgm:prSet/>
+      <dgm:spPr/>
+      <dgm:t>
+        <a:bodyPr/>
+        <a:lstStyle/>
+        <a:p>
+          <a:endParaRPr lang="en-GB" noProof="0" dirty="0"/>
+        </a:p>
+      </dgm:t>
+    </dgm:pt>
+    <dgm:pt modelId="{452D1B7A-AF06-4546-B312-D32ACB92D645}" type="sibTrans" cxnId="{AFAFE47D-B719-46D4-9631-C567AC1DC23D}">
+      <dgm:prSet/>
+      <dgm:spPr/>
+      <dgm:t>
+        <a:bodyPr/>
+        <a:lstStyle/>
+        <a:p>
+          <a:endParaRPr lang="en-GB" noProof="0" dirty="0"/>
+        </a:p>
+      </dgm:t>
+    </dgm:pt>
+    <dgm:pt modelId="{528DF08F-3E39-4F65-BEFF-C78FC53B7C58}" type="pres">
+      <dgm:prSet presAssocID="{97EBAC3A-16AA-4FB4-9916-0D54838B29E9}" presName="Name0" presStyleCnt="0">
+        <dgm:presLayoutVars>
+          <dgm:chMax val="1"/>
+          <dgm:dir/>
+          <dgm:animLvl val="ctr"/>
+          <dgm:resizeHandles val="exact"/>
+        </dgm:presLayoutVars>
+      </dgm:prSet>
+      <dgm:spPr/>
+    </dgm:pt>
+    <dgm:pt modelId="{0947A7EC-0A25-4C1A-B088-B21BBCE47EEF}" type="pres">
+      <dgm:prSet presAssocID="{F7A2C469-2CF2-49C7-9490-BD6D68B7ED0A}" presName="centerShape" presStyleLbl="node0" presStyleIdx="0" presStyleCnt="1"/>
+      <dgm:spPr/>
+    </dgm:pt>
+    <dgm:pt modelId="{012F8C30-505F-4AAC-8018-69D077BBA9C4}" type="pres">
+      <dgm:prSet presAssocID="{D7F9AECF-60D7-4326-908A-B2DF9271A4A9}" presName="parTrans" presStyleLbl="sibTrans2D1" presStyleIdx="0" presStyleCnt="8"/>
+      <dgm:spPr/>
+    </dgm:pt>
+    <dgm:pt modelId="{33A7E88E-0FE6-44FF-A212-5FBAABD65C1D}" type="pres">
+      <dgm:prSet presAssocID="{D7F9AECF-60D7-4326-908A-B2DF9271A4A9}" presName="connectorText" presStyleLbl="sibTrans2D1" presStyleIdx="0" presStyleCnt="8"/>
+      <dgm:spPr/>
+    </dgm:pt>
+    <dgm:pt modelId="{C53712BA-1CEA-4BFA-A58C-28EE72A992B6}" type="pres">
+      <dgm:prSet presAssocID="{4E5BD71E-0E67-48E1-91B1-53D10AA77F9A}" presName="node" presStyleLbl="node1" presStyleIdx="0" presStyleCnt="8">
+        <dgm:presLayoutVars>
+          <dgm:bulletEnabled val="1"/>
+        </dgm:presLayoutVars>
+      </dgm:prSet>
+      <dgm:spPr/>
+    </dgm:pt>
+    <dgm:pt modelId="{211CF514-EE17-4430-A84C-86E9FCB7E472}" type="pres">
+      <dgm:prSet presAssocID="{9FB8DB66-3CF5-4EF5-BCD6-282129A12399}" presName="parTrans" presStyleLbl="sibTrans2D1" presStyleIdx="1" presStyleCnt="8"/>
+      <dgm:spPr/>
+    </dgm:pt>
+    <dgm:pt modelId="{35045629-773A-4B8E-A1AD-53F3858D191E}" type="pres">
+      <dgm:prSet presAssocID="{9FB8DB66-3CF5-4EF5-BCD6-282129A12399}" presName="connectorText" presStyleLbl="sibTrans2D1" presStyleIdx="1" presStyleCnt="8"/>
+      <dgm:spPr/>
+    </dgm:pt>
+    <dgm:pt modelId="{B1E56B8B-22E8-48CA-A698-9FBE122584C5}" type="pres">
+      <dgm:prSet presAssocID="{AD01A799-CED8-482C-A313-E47AE32FF534}" presName="node" presStyleLbl="node1" presStyleIdx="1" presStyleCnt="8">
+        <dgm:presLayoutVars>
+          <dgm:bulletEnabled val="1"/>
+        </dgm:presLayoutVars>
+      </dgm:prSet>
+      <dgm:spPr/>
+    </dgm:pt>
+    <dgm:pt modelId="{9A7254FA-0589-4253-A792-F24DDF4EF9F1}" type="pres">
+      <dgm:prSet presAssocID="{B2E2DBB7-811A-463B-AD9F-CEC8F78A5ED3}" presName="parTrans" presStyleLbl="sibTrans2D1" presStyleIdx="2" presStyleCnt="8"/>
+      <dgm:spPr/>
+    </dgm:pt>
+    <dgm:pt modelId="{EE643307-11EE-432D-964A-847E4CD2C6B8}" type="pres">
+      <dgm:prSet presAssocID="{B2E2DBB7-811A-463B-AD9F-CEC8F78A5ED3}" presName="connectorText" presStyleLbl="sibTrans2D1" presStyleIdx="2" presStyleCnt="8"/>
+      <dgm:spPr/>
+    </dgm:pt>
+    <dgm:pt modelId="{A219B196-16B0-4475-848C-C94586FDC869}" type="pres">
+      <dgm:prSet presAssocID="{8BB253C7-A69D-4561-9002-DA2CB5798968}" presName="node" presStyleLbl="node1" presStyleIdx="2" presStyleCnt="8">
+        <dgm:presLayoutVars>
+          <dgm:bulletEnabled val="1"/>
+        </dgm:presLayoutVars>
+      </dgm:prSet>
+      <dgm:spPr/>
+    </dgm:pt>
+    <dgm:pt modelId="{FA977626-ECB8-42E6-A1CD-9BB95D8958DA}" type="pres">
+      <dgm:prSet presAssocID="{AF193A75-185C-4237-AB6B-118BD1D720C7}" presName="parTrans" presStyleLbl="sibTrans2D1" presStyleIdx="3" presStyleCnt="8"/>
+      <dgm:spPr/>
+    </dgm:pt>
+    <dgm:pt modelId="{CDAE4119-577C-4B64-B9D4-6D6B5606F5D1}" type="pres">
+      <dgm:prSet presAssocID="{AF193A75-185C-4237-AB6B-118BD1D720C7}" presName="connectorText" presStyleLbl="sibTrans2D1" presStyleIdx="3" presStyleCnt="8"/>
+      <dgm:spPr/>
+    </dgm:pt>
+    <dgm:pt modelId="{D2D537E6-BCF3-401A-B55C-070E67E031F4}" type="pres">
+      <dgm:prSet presAssocID="{5CC45504-7FAF-46AA-A214-8DF8DB9CFBB6}" presName="node" presStyleLbl="node1" presStyleIdx="3" presStyleCnt="8">
+        <dgm:presLayoutVars>
+          <dgm:bulletEnabled val="1"/>
+        </dgm:presLayoutVars>
+      </dgm:prSet>
+      <dgm:spPr/>
+    </dgm:pt>
+    <dgm:pt modelId="{4B8704FC-FEBD-4BC8-93C3-37AA96B6E7BA}" type="pres">
+      <dgm:prSet presAssocID="{D7E8C615-4C44-43F0-85E9-53EA9C4A56C3}" presName="parTrans" presStyleLbl="sibTrans2D1" presStyleIdx="4" presStyleCnt="8"/>
+      <dgm:spPr/>
+    </dgm:pt>
+    <dgm:pt modelId="{7F6D1D90-DE98-4E7B-A987-AC88E92C0438}" type="pres">
+      <dgm:prSet presAssocID="{D7E8C615-4C44-43F0-85E9-53EA9C4A56C3}" presName="connectorText" presStyleLbl="sibTrans2D1" presStyleIdx="4" presStyleCnt="8"/>
+      <dgm:spPr/>
+    </dgm:pt>
+    <dgm:pt modelId="{3458CC2D-6C0B-488B-81C5-84DFE281E19F}" type="pres">
+      <dgm:prSet presAssocID="{E74FE269-D949-4938-9B58-F58F8A8EE5A3}" presName="node" presStyleLbl="node1" presStyleIdx="4" presStyleCnt="8">
+        <dgm:presLayoutVars>
+          <dgm:bulletEnabled val="1"/>
+        </dgm:presLayoutVars>
+      </dgm:prSet>
+      <dgm:spPr/>
+    </dgm:pt>
+    <dgm:pt modelId="{9D4F816F-BFDB-40E5-8403-814C02352F9E}" type="pres">
+      <dgm:prSet presAssocID="{2E0559C4-811F-4418-ABB1-5246B9B49DDF}" presName="parTrans" presStyleLbl="sibTrans2D1" presStyleIdx="5" presStyleCnt="8"/>
+      <dgm:spPr/>
+    </dgm:pt>
+    <dgm:pt modelId="{1DA07F5D-0783-4280-9D78-E9C307FD8327}" type="pres">
+      <dgm:prSet presAssocID="{2E0559C4-811F-4418-ABB1-5246B9B49DDF}" presName="connectorText" presStyleLbl="sibTrans2D1" presStyleIdx="5" presStyleCnt="8"/>
+      <dgm:spPr/>
+    </dgm:pt>
+    <dgm:pt modelId="{22B8ED92-4E23-4863-9ED2-4C234AE808C7}" type="pres">
+      <dgm:prSet presAssocID="{606796F9-475E-45D6-9484-54D3190718DE}" presName="node" presStyleLbl="node1" presStyleIdx="5" presStyleCnt="8">
+        <dgm:presLayoutVars>
+          <dgm:bulletEnabled val="1"/>
+        </dgm:presLayoutVars>
+      </dgm:prSet>
+      <dgm:spPr/>
+    </dgm:pt>
+    <dgm:pt modelId="{4602FC5E-2CCC-4A2D-B7A2-60A074B7578E}" type="pres">
+      <dgm:prSet presAssocID="{ED2E712B-4454-4982-9009-51EC5924499C}" presName="parTrans" presStyleLbl="sibTrans2D1" presStyleIdx="6" presStyleCnt="8"/>
+      <dgm:spPr/>
+    </dgm:pt>
+    <dgm:pt modelId="{426D9CAD-7BBB-4B19-8612-D9E1D93EFD15}" type="pres">
+      <dgm:prSet presAssocID="{ED2E712B-4454-4982-9009-51EC5924499C}" presName="connectorText" presStyleLbl="sibTrans2D1" presStyleIdx="6" presStyleCnt="8"/>
+      <dgm:spPr/>
+    </dgm:pt>
+    <dgm:pt modelId="{938DC381-3282-4D2C-9844-40B211E1FB8C}" type="pres">
+      <dgm:prSet presAssocID="{878A4BFE-5AE9-43AD-8ADA-79A57DE5B205}" presName="node" presStyleLbl="node1" presStyleIdx="6" presStyleCnt="8">
+        <dgm:presLayoutVars>
+          <dgm:bulletEnabled val="1"/>
+        </dgm:presLayoutVars>
+      </dgm:prSet>
+      <dgm:spPr/>
+    </dgm:pt>
+    <dgm:pt modelId="{68180702-463C-4DEA-8024-7F16F520FD8A}" type="pres">
+      <dgm:prSet presAssocID="{A158F527-DE66-4AC5-BBA0-B30949C194BB}" presName="parTrans" presStyleLbl="sibTrans2D1" presStyleIdx="7" presStyleCnt="8"/>
+      <dgm:spPr/>
+    </dgm:pt>
+    <dgm:pt modelId="{B7A9AB29-F07E-4426-9F3E-36658E1ACC6C}" type="pres">
+      <dgm:prSet presAssocID="{A158F527-DE66-4AC5-BBA0-B30949C194BB}" presName="connectorText" presStyleLbl="sibTrans2D1" presStyleIdx="7" presStyleCnt="8"/>
+      <dgm:spPr/>
+    </dgm:pt>
+    <dgm:pt modelId="{4D3FEE86-6B0A-43A8-B840-C3269E5F3EB3}" type="pres">
+      <dgm:prSet presAssocID="{CE851309-1D02-4008-80BB-45F41CEE4959}" presName="node" presStyleLbl="node1" presStyleIdx="7" presStyleCnt="8">
+        <dgm:presLayoutVars>
+          <dgm:bulletEnabled val="1"/>
+        </dgm:presLayoutVars>
+      </dgm:prSet>
+      <dgm:spPr/>
+    </dgm:pt>
+  </dgm:ptLst>
+  <dgm:cxnLst>
+    <dgm:cxn modelId="{5B6ACD08-F732-43D1-A84B-F06AA52D6C2E}" srcId="{F7A2C469-2CF2-49C7-9490-BD6D68B7ED0A}" destId="{4E5BD71E-0E67-48E1-91B1-53D10AA77F9A}" srcOrd="0" destOrd="0" parTransId="{D7F9AECF-60D7-4326-908A-B2DF9271A4A9}" sibTransId="{CCE81DFC-9BDD-49C1-B819-B11F9A0BD3B6}"/>
+    <dgm:cxn modelId="{9FEB1414-E182-4548-A9A8-5FCEC0CF150F}" type="presOf" srcId="{B2E2DBB7-811A-463B-AD9F-CEC8F78A5ED3}" destId="{9A7254FA-0589-4253-A792-F24DDF4EF9F1}" srcOrd="0" destOrd="0" presId="urn:microsoft.com/office/officeart/2005/8/layout/radial5"/>
+    <dgm:cxn modelId="{6C95CF14-147B-4D5E-A647-D822A40F6837}" type="presOf" srcId="{D7F9AECF-60D7-4326-908A-B2DF9271A4A9}" destId="{012F8C30-505F-4AAC-8018-69D077BBA9C4}" srcOrd="0" destOrd="0" presId="urn:microsoft.com/office/officeart/2005/8/layout/radial5"/>
+    <dgm:cxn modelId="{119B621D-4467-49A7-AAEE-C9F34F8789BA}" type="presOf" srcId="{ED2E712B-4454-4982-9009-51EC5924499C}" destId="{4602FC5E-2CCC-4A2D-B7A2-60A074B7578E}" srcOrd="0" destOrd="0" presId="urn:microsoft.com/office/officeart/2005/8/layout/radial5"/>
+    <dgm:cxn modelId="{B848601E-648F-4E6A-A776-B051379CEF3D}" srcId="{F7A2C469-2CF2-49C7-9490-BD6D68B7ED0A}" destId="{606796F9-475E-45D6-9484-54D3190718DE}" srcOrd="5" destOrd="0" parTransId="{2E0559C4-811F-4418-ABB1-5246B9B49DDF}" sibTransId="{B8CDC0FC-684F-438A-BC52-189DB013D38B}"/>
+    <dgm:cxn modelId="{E973951F-F82E-459D-9989-6232A6285ECF}" srcId="{F7A2C469-2CF2-49C7-9490-BD6D68B7ED0A}" destId="{8BB253C7-A69D-4561-9002-DA2CB5798968}" srcOrd="2" destOrd="0" parTransId="{B2E2DBB7-811A-463B-AD9F-CEC8F78A5ED3}" sibTransId="{6E25E113-94D9-440F-97CB-97D90F8B616A}"/>
+    <dgm:cxn modelId="{5B620D22-17E1-4C1F-83D7-960C6D82A4A5}" type="presOf" srcId="{AF193A75-185C-4237-AB6B-118BD1D720C7}" destId="{CDAE4119-577C-4B64-B9D4-6D6B5606F5D1}" srcOrd="1" destOrd="0" presId="urn:microsoft.com/office/officeart/2005/8/layout/radial5"/>
+    <dgm:cxn modelId="{EE8C2F2E-D80C-4DF1-ADC5-299C8940D47D}" type="presOf" srcId="{606796F9-475E-45D6-9484-54D3190718DE}" destId="{22B8ED92-4E23-4863-9ED2-4C234AE808C7}" srcOrd="0" destOrd="0" presId="urn:microsoft.com/office/officeart/2005/8/layout/radial5"/>
+    <dgm:cxn modelId="{DD864732-0D8F-4F8F-AA7B-4B3F94BD15B3}" srcId="{F7A2C469-2CF2-49C7-9490-BD6D68B7ED0A}" destId="{E74FE269-D949-4938-9B58-F58F8A8EE5A3}" srcOrd="4" destOrd="0" parTransId="{D7E8C615-4C44-43F0-85E9-53EA9C4A56C3}" sibTransId="{25DA0A74-458E-458B-BADD-03779AF7CA76}"/>
+    <dgm:cxn modelId="{884C0C33-2DDC-4F48-8B13-AE6FF8926EB5}" type="presOf" srcId="{A158F527-DE66-4AC5-BBA0-B30949C194BB}" destId="{68180702-463C-4DEA-8024-7F16F520FD8A}" srcOrd="0" destOrd="0" presId="urn:microsoft.com/office/officeart/2005/8/layout/radial5"/>
+    <dgm:cxn modelId="{6C55EA35-1678-4526-BA82-DA0A49866DC3}" type="presOf" srcId="{D7E8C615-4C44-43F0-85E9-53EA9C4A56C3}" destId="{4B8704FC-FEBD-4BC8-93C3-37AA96B6E7BA}" srcOrd="0" destOrd="0" presId="urn:microsoft.com/office/officeart/2005/8/layout/radial5"/>
+    <dgm:cxn modelId="{8B57B03D-221D-40ED-9E54-26BB6555E541}" type="presOf" srcId="{A158F527-DE66-4AC5-BBA0-B30949C194BB}" destId="{B7A9AB29-F07E-4426-9F3E-36658E1ACC6C}" srcOrd="1" destOrd="0" presId="urn:microsoft.com/office/officeart/2005/8/layout/radial5"/>
+    <dgm:cxn modelId="{C5BFE73E-EC55-4E54-AAB4-03BCD5317E35}" type="presOf" srcId="{97EBAC3A-16AA-4FB4-9916-0D54838B29E9}" destId="{528DF08F-3E39-4F65-BEFF-C78FC53B7C58}" srcOrd="0" destOrd="0" presId="urn:microsoft.com/office/officeart/2005/8/layout/radial5"/>
+    <dgm:cxn modelId="{E48AE25D-26FB-4C05-A804-C2358085E63E}" srcId="{F7A2C469-2CF2-49C7-9490-BD6D68B7ED0A}" destId="{5CC45504-7FAF-46AA-A214-8DF8DB9CFBB6}" srcOrd="3" destOrd="0" parTransId="{AF193A75-185C-4237-AB6B-118BD1D720C7}" sibTransId="{DFB5931C-A86A-46DE-973A-3861792042F0}"/>
+    <dgm:cxn modelId="{0B86E162-3C89-4753-9205-7E308E80C3EB}" type="presOf" srcId="{F7A2C469-2CF2-49C7-9490-BD6D68B7ED0A}" destId="{0947A7EC-0A25-4C1A-B088-B21BBCE47EEF}" srcOrd="0" destOrd="0" presId="urn:microsoft.com/office/officeart/2005/8/layout/radial5"/>
+    <dgm:cxn modelId="{FFC5044B-991B-453C-B694-CA6B089B35AC}" type="presOf" srcId="{D7E8C615-4C44-43F0-85E9-53EA9C4A56C3}" destId="{7F6D1D90-DE98-4E7B-A987-AC88E92C0438}" srcOrd="1" destOrd="0" presId="urn:microsoft.com/office/officeart/2005/8/layout/radial5"/>
+    <dgm:cxn modelId="{EE682D78-ADC3-4A68-B5D5-EF0A125F328B}" type="presOf" srcId="{2E0559C4-811F-4418-ABB1-5246B9B49DDF}" destId="{1DA07F5D-0783-4280-9D78-E9C307FD8327}" srcOrd="1" destOrd="0" presId="urn:microsoft.com/office/officeart/2005/8/layout/radial5"/>
+    <dgm:cxn modelId="{0E68EF58-5FF6-4A90-A517-6956CE389193}" srcId="{F7A2C469-2CF2-49C7-9490-BD6D68B7ED0A}" destId="{AD01A799-CED8-482C-A313-E47AE32FF534}" srcOrd="1" destOrd="0" parTransId="{9FB8DB66-3CF5-4EF5-BCD6-282129A12399}" sibTransId="{2E5A4E8B-DE56-4ED0-8911-B6FB791CF480}"/>
+    <dgm:cxn modelId="{67177D79-21AE-4235-9682-37C2DE4000CA}" type="presOf" srcId="{B2E2DBB7-811A-463B-AD9F-CEC8F78A5ED3}" destId="{EE643307-11EE-432D-964A-847E4CD2C6B8}" srcOrd="1" destOrd="0" presId="urn:microsoft.com/office/officeart/2005/8/layout/radial5"/>
+    <dgm:cxn modelId="{94CBAF79-DF64-47EE-A937-D614E83470B1}" type="presOf" srcId="{AF193A75-185C-4237-AB6B-118BD1D720C7}" destId="{FA977626-ECB8-42E6-A1CD-9BB95D8958DA}" srcOrd="0" destOrd="0" presId="urn:microsoft.com/office/officeart/2005/8/layout/radial5"/>
+    <dgm:cxn modelId="{AFAFE47D-B719-46D4-9631-C567AC1DC23D}" srcId="{F7A2C469-2CF2-49C7-9490-BD6D68B7ED0A}" destId="{CE851309-1D02-4008-80BB-45F41CEE4959}" srcOrd="7" destOrd="0" parTransId="{A158F527-DE66-4AC5-BBA0-B30949C194BB}" sibTransId="{452D1B7A-AF06-4546-B312-D32ACB92D645}"/>
+    <dgm:cxn modelId="{1BCCBA8E-2DF2-4964-A72A-8B7F1E8A5389}" srcId="{97EBAC3A-16AA-4FB4-9916-0D54838B29E9}" destId="{F7A2C469-2CF2-49C7-9490-BD6D68B7ED0A}" srcOrd="0" destOrd="0" parTransId="{7FE74993-D789-45F5-AB88-307B1BC2CEA0}" sibTransId="{6D6E47A6-2483-4A8F-A031-86F182C816F1}"/>
+    <dgm:cxn modelId="{C998AF9F-B689-47C5-89B0-7EEC86BF5C9E}" type="presOf" srcId="{878A4BFE-5AE9-43AD-8ADA-79A57DE5B205}" destId="{938DC381-3282-4D2C-9844-40B211E1FB8C}" srcOrd="0" destOrd="0" presId="urn:microsoft.com/office/officeart/2005/8/layout/radial5"/>
+    <dgm:cxn modelId="{4BFBFFAA-55E1-4E74-826B-235BD8C0F535}" type="presOf" srcId="{E74FE269-D949-4938-9B58-F58F8A8EE5A3}" destId="{3458CC2D-6C0B-488B-81C5-84DFE281E19F}" srcOrd="0" destOrd="0" presId="urn:microsoft.com/office/officeart/2005/8/layout/radial5"/>
+    <dgm:cxn modelId="{63AF0FAD-006E-4E66-ACC3-BE0E6BB90497}" type="presOf" srcId="{9FB8DB66-3CF5-4EF5-BCD6-282129A12399}" destId="{35045629-773A-4B8E-A1AD-53F3858D191E}" srcOrd="1" destOrd="0" presId="urn:microsoft.com/office/officeart/2005/8/layout/radial5"/>
+    <dgm:cxn modelId="{184325B0-F996-402B-89CC-A9C6F8392F9F}" type="presOf" srcId="{4E5BD71E-0E67-48E1-91B1-53D10AA77F9A}" destId="{C53712BA-1CEA-4BFA-A58C-28EE72A992B6}" srcOrd="0" destOrd="0" presId="urn:microsoft.com/office/officeart/2005/8/layout/radial5"/>
+    <dgm:cxn modelId="{BE6883BF-CAF5-422C-B73E-726AC87F0C31}" srcId="{F7A2C469-2CF2-49C7-9490-BD6D68B7ED0A}" destId="{878A4BFE-5AE9-43AD-8ADA-79A57DE5B205}" srcOrd="6" destOrd="0" parTransId="{ED2E712B-4454-4982-9009-51EC5924499C}" sibTransId="{68F15A0B-F8A2-4038-8C31-268415082425}"/>
+    <dgm:cxn modelId="{840070C4-7405-4AF0-B1C6-09FAB6CBB0C3}" type="presOf" srcId="{AD01A799-CED8-482C-A313-E47AE32FF534}" destId="{B1E56B8B-22E8-48CA-A698-9FBE122584C5}" srcOrd="0" destOrd="0" presId="urn:microsoft.com/office/officeart/2005/8/layout/radial5"/>
+    <dgm:cxn modelId="{A8159BC6-4A94-43FD-901F-E0EEEA91A642}" type="presOf" srcId="{8BB253C7-A69D-4561-9002-DA2CB5798968}" destId="{A219B196-16B0-4475-848C-C94586FDC869}" srcOrd="0" destOrd="0" presId="urn:microsoft.com/office/officeart/2005/8/layout/radial5"/>
+    <dgm:cxn modelId="{0B2C7DCA-4521-433A-B50A-32FBBFBAA109}" type="presOf" srcId="{D7F9AECF-60D7-4326-908A-B2DF9271A4A9}" destId="{33A7E88E-0FE6-44FF-A212-5FBAABD65C1D}" srcOrd="1" destOrd="0" presId="urn:microsoft.com/office/officeart/2005/8/layout/radial5"/>
+    <dgm:cxn modelId="{311BA1DF-2755-43B9-8837-4B82943AD63C}" type="presOf" srcId="{9FB8DB66-3CF5-4EF5-BCD6-282129A12399}" destId="{211CF514-EE17-4430-A84C-86E9FCB7E472}" srcOrd="0" destOrd="0" presId="urn:microsoft.com/office/officeart/2005/8/layout/radial5"/>
+    <dgm:cxn modelId="{A42DC9E2-160C-43DA-9D35-BC58CF1CB8FC}" type="presOf" srcId="{5CC45504-7FAF-46AA-A214-8DF8DB9CFBB6}" destId="{D2D537E6-BCF3-401A-B55C-070E67E031F4}" srcOrd="0" destOrd="0" presId="urn:microsoft.com/office/officeart/2005/8/layout/radial5"/>
+    <dgm:cxn modelId="{EABDACE5-E4FC-450B-A197-C38549654AF5}" type="presOf" srcId="{2E0559C4-811F-4418-ABB1-5246B9B49DDF}" destId="{9D4F816F-BFDB-40E5-8403-814C02352F9E}" srcOrd="0" destOrd="0" presId="urn:microsoft.com/office/officeart/2005/8/layout/radial5"/>
+    <dgm:cxn modelId="{FF39C7E8-275A-44B6-A23B-A25B9CCBAADA}" type="presOf" srcId="{ED2E712B-4454-4982-9009-51EC5924499C}" destId="{426D9CAD-7BBB-4B19-8612-D9E1D93EFD15}" srcOrd="1" destOrd="0" presId="urn:microsoft.com/office/officeart/2005/8/layout/radial5"/>
+    <dgm:cxn modelId="{0652BEEF-9F1F-4A23-BF3C-3DD67A8C500F}" type="presOf" srcId="{CE851309-1D02-4008-80BB-45F41CEE4959}" destId="{4D3FEE86-6B0A-43A8-B840-C3269E5F3EB3}" srcOrd="0" destOrd="0" presId="urn:microsoft.com/office/officeart/2005/8/layout/radial5"/>
+    <dgm:cxn modelId="{CF080751-5018-48DD-BCF8-E98E31AF92B9}" type="presParOf" srcId="{528DF08F-3E39-4F65-BEFF-C78FC53B7C58}" destId="{0947A7EC-0A25-4C1A-B088-B21BBCE47EEF}" srcOrd="0" destOrd="0" presId="urn:microsoft.com/office/officeart/2005/8/layout/radial5"/>
+    <dgm:cxn modelId="{23DA550E-9C35-4D16-B9C6-DC4ED758853B}" type="presParOf" srcId="{528DF08F-3E39-4F65-BEFF-C78FC53B7C58}" destId="{012F8C30-505F-4AAC-8018-69D077BBA9C4}" srcOrd="1" destOrd="0" presId="urn:microsoft.com/office/officeart/2005/8/layout/radial5"/>
+    <dgm:cxn modelId="{C96D34ED-BAA8-4153-B88C-C83D9829A1BB}" type="presParOf" srcId="{012F8C30-505F-4AAC-8018-69D077BBA9C4}" destId="{33A7E88E-0FE6-44FF-A212-5FBAABD65C1D}" srcOrd="0" destOrd="0" presId="urn:microsoft.com/office/officeart/2005/8/layout/radial5"/>
+    <dgm:cxn modelId="{29FA5240-2639-40C4-9BF6-939385CFFB37}" type="presParOf" srcId="{528DF08F-3E39-4F65-BEFF-C78FC53B7C58}" destId="{C53712BA-1CEA-4BFA-A58C-28EE72A992B6}" srcOrd="2" destOrd="0" presId="urn:microsoft.com/office/officeart/2005/8/layout/radial5"/>
+    <dgm:cxn modelId="{97FCAE41-B316-4A6B-968E-8D996A6A9782}" type="presParOf" srcId="{528DF08F-3E39-4F65-BEFF-C78FC53B7C58}" destId="{211CF514-EE17-4430-A84C-86E9FCB7E472}" srcOrd="3" destOrd="0" presId="urn:microsoft.com/office/officeart/2005/8/layout/radial5"/>
+    <dgm:cxn modelId="{42F58A60-BADA-4DEF-A575-B450F1F9016F}" type="presParOf" srcId="{211CF514-EE17-4430-A84C-86E9FCB7E472}" destId="{35045629-773A-4B8E-A1AD-53F3858D191E}" srcOrd="0" destOrd="0" presId="urn:microsoft.com/office/officeart/2005/8/layout/radial5"/>
+    <dgm:cxn modelId="{0907C53D-2DE4-4845-9A8B-7755301FFC19}" type="presParOf" srcId="{528DF08F-3E39-4F65-BEFF-C78FC53B7C58}" destId="{B1E56B8B-22E8-48CA-A698-9FBE122584C5}" srcOrd="4" destOrd="0" presId="urn:microsoft.com/office/officeart/2005/8/layout/radial5"/>
+    <dgm:cxn modelId="{A5649647-9565-4C78-80AD-A5F3E3F64CBA}" type="presParOf" srcId="{528DF08F-3E39-4F65-BEFF-C78FC53B7C58}" destId="{9A7254FA-0589-4253-A792-F24DDF4EF9F1}" srcOrd="5" destOrd="0" presId="urn:microsoft.com/office/officeart/2005/8/layout/radial5"/>
+    <dgm:cxn modelId="{57C4CDC2-0E94-4534-A022-A5B13176A4D8}" type="presParOf" srcId="{9A7254FA-0589-4253-A792-F24DDF4EF9F1}" destId="{EE643307-11EE-432D-964A-847E4CD2C6B8}" srcOrd="0" destOrd="0" presId="urn:microsoft.com/office/officeart/2005/8/layout/radial5"/>
+    <dgm:cxn modelId="{6AB1C2DC-5C59-4D84-91B8-2EB294AE9D3B}" type="presParOf" srcId="{528DF08F-3E39-4F65-BEFF-C78FC53B7C58}" destId="{A219B196-16B0-4475-848C-C94586FDC869}" srcOrd="6" destOrd="0" presId="urn:microsoft.com/office/officeart/2005/8/layout/radial5"/>
+    <dgm:cxn modelId="{BB571F2F-AB7F-437A-B7DE-DA9C06DE069F}" type="presParOf" srcId="{528DF08F-3E39-4F65-BEFF-C78FC53B7C58}" destId="{FA977626-ECB8-42E6-A1CD-9BB95D8958DA}" srcOrd="7" destOrd="0" presId="urn:microsoft.com/office/officeart/2005/8/layout/radial5"/>
+    <dgm:cxn modelId="{D68A014C-305C-4CCF-ADD0-B26D3361FF65}" type="presParOf" srcId="{FA977626-ECB8-42E6-A1CD-9BB95D8958DA}" destId="{CDAE4119-577C-4B64-B9D4-6D6B5606F5D1}" srcOrd="0" destOrd="0" presId="urn:microsoft.com/office/officeart/2005/8/layout/radial5"/>
+    <dgm:cxn modelId="{49FE861A-BDC5-46EF-B9C5-07997CC9DF70}" type="presParOf" srcId="{528DF08F-3E39-4F65-BEFF-C78FC53B7C58}" destId="{D2D537E6-BCF3-401A-B55C-070E67E031F4}" srcOrd="8" destOrd="0" presId="urn:microsoft.com/office/officeart/2005/8/layout/radial5"/>
+    <dgm:cxn modelId="{1AF2E8EE-5358-4C47-B92A-7CC2BBA77D05}" type="presParOf" srcId="{528DF08F-3E39-4F65-BEFF-C78FC53B7C58}" destId="{4B8704FC-FEBD-4BC8-93C3-37AA96B6E7BA}" srcOrd="9" destOrd="0" presId="urn:microsoft.com/office/officeart/2005/8/layout/radial5"/>
+    <dgm:cxn modelId="{B27BAB43-1BD7-4714-A399-87062ACE0A3A}" type="presParOf" srcId="{4B8704FC-FEBD-4BC8-93C3-37AA96B6E7BA}" destId="{7F6D1D90-DE98-4E7B-A987-AC88E92C0438}" srcOrd="0" destOrd="0" presId="urn:microsoft.com/office/officeart/2005/8/layout/radial5"/>
+    <dgm:cxn modelId="{0D475367-CF04-492D-8372-E444C5438EF0}" type="presParOf" srcId="{528DF08F-3E39-4F65-BEFF-C78FC53B7C58}" destId="{3458CC2D-6C0B-488B-81C5-84DFE281E19F}" srcOrd="10" destOrd="0" presId="urn:microsoft.com/office/officeart/2005/8/layout/radial5"/>
+    <dgm:cxn modelId="{53BDAF85-A5CA-4252-977F-F56319E80CC3}" type="presParOf" srcId="{528DF08F-3E39-4F65-BEFF-C78FC53B7C58}" destId="{9D4F816F-BFDB-40E5-8403-814C02352F9E}" srcOrd="11" destOrd="0" presId="urn:microsoft.com/office/officeart/2005/8/layout/radial5"/>
+    <dgm:cxn modelId="{D02E1686-463B-4600-8134-4022B87994A0}" type="presParOf" srcId="{9D4F816F-BFDB-40E5-8403-814C02352F9E}" destId="{1DA07F5D-0783-4280-9D78-E9C307FD8327}" srcOrd="0" destOrd="0" presId="urn:microsoft.com/office/officeart/2005/8/layout/radial5"/>
+    <dgm:cxn modelId="{EBE2C8EE-DEC0-4265-96BA-7A926319B503}" type="presParOf" srcId="{528DF08F-3E39-4F65-BEFF-C78FC53B7C58}" destId="{22B8ED92-4E23-4863-9ED2-4C234AE808C7}" srcOrd="12" destOrd="0" presId="urn:microsoft.com/office/officeart/2005/8/layout/radial5"/>
+    <dgm:cxn modelId="{E08EF596-D253-4C47-8FC4-14C23EBEA7BF}" type="presParOf" srcId="{528DF08F-3E39-4F65-BEFF-C78FC53B7C58}" destId="{4602FC5E-2CCC-4A2D-B7A2-60A074B7578E}" srcOrd="13" destOrd="0" presId="urn:microsoft.com/office/officeart/2005/8/layout/radial5"/>
+    <dgm:cxn modelId="{5737ED49-B963-43D6-B011-7DCA71823796}" type="presParOf" srcId="{4602FC5E-2CCC-4A2D-B7A2-60A074B7578E}" destId="{426D9CAD-7BBB-4B19-8612-D9E1D93EFD15}" srcOrd="0" destOrd="0" presId="urn:microsoft.com/office/officeart/2005/8/layout/radial5"/>
+    <dgm:cxn modelId="{612756E8-C6FF-4275-97A3-5B4844EF44B6}" type="presParOf" srcId="{528DF08F-3E39-4F65-BEFF-C78FC53B7C58}" destId="{938DC381-3282-4D2C-9844-40B211E1FB8C}" srcOrd="14" destOrd="0" presId="urn:microsoft.com/office/officeart/2005/8/layout/radial5"/>
+    <dgm:cxn modelId="{AA82BC65-2748-44CB-8A9F-DFC11A2A04C7}" type="presParOf" srcId="{528DF08F-3E39-4F65-BEFF-C78FC53B7C58}" destId="{68180702-463C-4DEA-8024-7F16F520FD8A}" srcOrd="15" destOrd="0" presId="urn:microsoft.com/office/officeart/2005/8/layout/radial5"/>
+    <dgm:cxn modelId="{04EDD847-EC9F-44DE-AA15-9E2702BCD7B9}" type="presParOf" srcId="{68180702-463C-4DEA-8024-7F16F520FD8A}" destId="{B7A9AB29-F07E-4426-9F3E-36658E1ACC6C}" srcOrd="0" destOrd="0" presId="urn:microsoft.com/office/officeart/2005/8/layout/radial5"/>
+    <dgm:cxn modelId="{D2A2ADA0-3442-425D-891A-8A15C6A02BBD}" type="presParOf" srcId="{528DF08F-3E39-4F65-BEFF-C78FC53B7C58}" destId="{4D3FEE86-6B0A-43A8-B840-C3269E5F3EB3}" srcOrd="16" destOrd="0" presId="urn:microsoft.com/office/officeart/2005/8/layout/radial5"/>
+  </dgm:cxnLst>
+  <dgm:bg/>
+  <dgm:whole/>
+  <dgm:extLst>
+    <a:ext uri="http://schemas.microsoft.com/office/drawing/2008/diagram">
+      <dsp:dataModelExt xmlns:dsp="http://schemas.microsoft.com/office/drawing/2008/diagram" relId="rId6" minVer="http://schemas.openxmlformats.org/drawingml/2006/diagram"/>
+    </a:ext>
+  </dgm:extLst>
+</dgm:dataModel>
+</file>
+
+<file path=ppt/diagrams/drawing1.xml><?xml version="1.0" encoding="utf-8"?>
+<dsp:drawing xmlns:dgm="http://schemas.openxmlformats.org/drawingml/2006/diagram" xmlns:dsp="http://schemas.microsoft.com/office/drawing/2008/diagram" xmlns:a="http://schemas.openxmlformats.org/drawingml/2006/main">
+  <dsp:spTree>
+    <dsp:nvGrpSpPr>
+      <dsp:cNvPr id="0" name=""/>
+      <dsp:cNvGrpSpPr/>
+    </dsp:nvGrpSpPr>
+    <dsp:grpSpPr/>
+    <dsp:sp modelId="{0947A7EC-0A25-4C1A-B088-B21BBCE47EEF}">
+      <dsp:nvSpPr>
+        <dsp:cNvPr id="0" name=""/>
+        <dsp:cNvSpPr/>
+      </dsp:nvSpPr>
+      <dsp:spPr>
+        <a:xfrm>
+          <a:off x="3000056" y="2014657"/>
+          <a:ext cx="911590" cy="911590"/>
+        </a:xfrm>
+        <a:prstGeom prst="ellipse">
+          <a:avLst/>
+        </a:prstGeom>
+        <a:solidFill>
+          <a:schemeClr val="accent1">
+            <a:hueOff val="0"/>
+            <a:satOff val="0"/>
+            <a:lumOff val="0"/>
+            <a:alphaOff val="0"/>
+          </a:schemeClr>
+        </a:solidFill>
+        <a:ln w="12700" cap="flat" cmpd="sng" algn="ctr">
+          <a:solidFill>
+            <a:schemeClr val="lt1">
+              <a:hueOff val="0"/>
+              <a:satOff val="0"/>
+              <a:lumOff val="0"/>
+              <a:alphaOff val="0"/>
+            </a:schemeClr>
+          </a:solidFill>
+          <a:prstDash val="solid"/>
+          <a:miter lim="800000"/>
+        </a:ln>
+        <a:effectLst/>
+      </dsp:spPr>
+      <dsp:style>
+        <a:lnRef idx="2">
+          <a:scrgbClr r="0" g="0" b="0"/>
+        </a:lnRef>
+        <a:fillRef idx="1">
+          <a:scrgbClr r="0" g="0" b="0"/>
+        </a:fillRef>
+        <a:effectRef idx="0">
+          <a:scrgbClr r="0" g="0" b="0"/>
+        </a:effectRef>
+        <a:fontRef idx="minor">
+          <a:schemeClr val="lt1"/>
+        </a:fontRef>
+      </dsp:style>
+      <dsp:txBody>
+        <a:bodyPr spcFirstLastPara="0" vert="horz" wrap="square" lIns="12700" tIns="12700" rIns="12700" bIns="12700" numCol="1" spcCol="1270" anchor="ctr" anchorCtr="0">
+          <a:noAutofit/>
+        </a:bodyPr>
+        <a:lstStyle/>
+        <a:p>
+          <a:pPr marL="0" lvl="0" indent="0" algn="ctr" defTabSz="444500">
+            <a:lnSpc>
+              <a:spcPct val="90000"/>
+            </a:lnSpc>
+            <a:spcBef>
+              <a:spcPct val="0"/>
+            </a:spcBef>
+            <a:spcAft>
+              <a:spcPct val="35000"/>
+            </a:spcAft>
+            <a:buNone/>
+          </a:pPr>
+          <a:r>
+            <a:rPr lang="en-GB" sz="1000" kern="1200" noProof="0" dirty="0"/>
+            <a:t>DevOps Committee</a:t>
+          </a:r>
+        </a:p>
+      </dsp:txBody>
+      <dsp:txXfrm>
+        <a:off x="3133555" y="2148156"/>
+        <a:ext cx="644592" cy="644592"/>
+      </dsp:txXfrm>
+    </dsp:sp>
+    <dsp:sp modelId="{012F8C30-505F-4AAC-8018-69D077BBA9C4}">
+      <dsp:nvSpPr>
+        <dsp:cNvPr id="0" name=""/>
+        <dsp:cNvSpPr/>
+      </dsp:nvSpPr>
+      <dsp:spPr>
+        <a:xfrm rot="16200000">
+          <a:off x="3224611" y="1436474"/>
+          <a:ext cx="462479" cy="309940"/>
+        </a:xfrm>
+        <a:prstGeom prst="rightArrow">
+          <a:avLst>
+            <a:gd name="adj1" fmla="val 60000"/>
+            <a:gd name="adj2" fmla="val 50000"/>
+          </a:avLst>
+        </a:prstGeom>
+        <a:solidFill>
+          <a:schemeClr val="accent1">
+            <a:tint val="60000"/>
+            <a:hueOff val="0"/>
+            <a:satOff val="0"/>
+            <a:lumOff val="0"/>
+            <a:alphaOff val="0"/>
+          </a:schemeClr>
+        </a:solidFill>
+        <a:ln>
+          <a:noFill/>
+        </a:ln>
+        <a:effectLst/>
+      </dsp:spPr>
+      <dsp:style>
+        <a:lnRef idx="0">
+          <a:scrgbClr r="0" g="0" b="0"/>
+        </a:lnRef>
+        <a:fillRef idx="1">
+          <a:scrgbClr r="0" g="0" b="0"/>
+        </a:fillRef>
+        <a:effectRef idx="0">
+          <a:scrgbClr r="0" g="0" b="0"/>
+        </a:effectRef>
+        <a:fontRef idx="minor">
+          <a:schemeClr val="lt1"/>
+        </a:fontRef>
+      </dsp:style>
+      <dsp:txBody>
+        <a:bodyPr spcFirstLastPara="0" vert="horz" wrap="square" lIns="0" tIns="0" rIns="0" bIns="0" numCol="1" spcCol="1270" anchor="ctr" anchorCtr="0">
+          <a:noAutofit/>
+        </a:bodyPr>
+        <a:lstStyle/>
+        <a:p>
+          <a:pPr marL="0" lvl="0" indent="0" algn="ctr" defTabSz="355600">
+            <a:lnSpc>
+              <a:spcPct val="90000"/>
+            </a:lnSpc>
+            <a:spcBef>
+              <a:spcPct val="0"/>
+            </a:spcBef>
+            <a:spcAft>
+              <a:spcPct val="35000"/>
+            </a:spcAft>
+            <a:buNone/>
+          </a:pPr>
+          <a:endParaRPr lang="en-GB" sz="800" kern="1200" noProof="0" dirty="0"/>
+        </a:p>
+      </dsp:txBody>
+      <dsp:txXfrm>
+        <a:off x="3271102" y="1544953"/>
+        <a:ext cx="369497" cy="185964"/>
+      </dsp:txXfrm>
+    </dsp:sp>
+    <dsp:sp modelId="{C53712BA-1CEA-4BFA-A58C-28EE72A992B6}">
+      <dsp:nvSpPr>
+        <dsp:cNvPr id="0" name=""/>
+        <dsp:cNvSpPr/>
+      </dsp:nvSpPr>
+      <dsp:spPr>
+        <a:xfrm>
+          <a:off x="2886107" y="2566"/>
+          <a:ext cx="1139488" cy="1139488"/>
+        </a:xfrm>
+        <a:prstGeom prst="ellipse">
+          <a:avLst/>
+        </a:prstGeom>
+        <a:gradFill rotWithShape="1">
+          <a:gsLst>
+            <a:gs pos="0">
+              <a:schemeClr val="accent4">
+                <a:satMod val="103000"/>
+                <a:lumMod val="102000"/>
+                <a:tint val="94000"/>
+              </a:schemeClr>
+            </a:gs>
+            <a:gs pos="50000">
+              <a:schemeClr val="accent4">
+                <a:satMod val="110000"/>
+                <a:lumMod val="100000"/>
+                <a:shade val="100000"/>
+              </a:schemeClr>
+            </a:gs>
+            <a:gs pos="100000">
+              <a:schemeClr val="accent4">
+                <a:lumMod val="99000"/>
+                <a:satMod val="120000"/>
+                <a:shade val="78000"/>
+              </a:schemeClr>
+            </a:gs>
+          </a:gsLst>
+          <a:lin ang="5400000" scaled="0"/>
+        </a:gradFill>
+        <a:ln w="6350" cap="flat" cmpd="sng" algn="ctr">
+          <a:solidFill>
+            <a:schemeClr val="accent4"/>
+          </a:solidFill>
+          <a:prstDash val="solid"/>
+          <a:miter lim="800000"/>
+        </a:ln>
+        <a:effectLst/>
+      </dsp:spPr>
+      <dsp:style>
+        <a:lnRef idx="1">
+          <a:schemeClr val="accent4"/>
+        </a:lnRef>
+        <a:fillRef idx="3">
+          <a:schemeClr val="accent4"/>
+        </a:fillRef>
+        <a:effectRef idx="2">
+          <a:schemeClr val="accent4"/>
+        </a:effectRef>
+        <a:fontRef idx="minor">
+          <a:schemeClr val="lt1"/>
+        </a:fontRef>
+      </dsp:style>
+      <dsp:txBody>
+        <a:bodyPr spcFirstLastPara="0" vert="horz" wrap="square" lIns="12700" tIns="12700" rIns="12700" bIns="12700" numCol="1" spcCol="1270" anchor="ctr" anchorCtr="0">
+          <a:noAutofit/>
+        </a:bodyPr>
+        <a:lstStyle/>
+        <a:p>
+          <a:pPr marL="0" lvl="0" indent="0" algn="ctr" defTabSz="444500">
+            <a:lnSpc>
+              <a:spcPct val="90000"/>
+            </a:lnSpc>
+            <a:spcBef>
+              <a:spcPct val="0"/>
+            </a:spcBef>
+            <a:spcAft>
+              <a:spcPct val="35000"/>
+            </a:spcAft>
+            <a:buNone/>
+          </a:pPr>
+          <a:r>
+            <a:rPr lang="en-GB" sz="1000" kern="1200" noProof="0" dirty="0"/>
+            <a:t>Solution Architect Team A</a:t>
+          </a:r>
+        </a:p>
+      </dsp:txBody>
+      <dsp:txXfrm>
+        <a:off x="3052981" y="169440"/>
+        <a:ext cx="805740" cy="805740"/>
+      </dsp:txXfrm>
+    </dsp:sp>
+    <dsp:sp modelId="{211CF514-EE17-4430-A84C-86E9FCB7E472}">
+      <dsp:nvSpPr>
+        <dsp:cNvPr id="0" name=""/>
+        <dsp:cNvSpPr/>
+      </dsp:nvSpPr>
+      <dsp:spPr>
+        <a:xfrm rot="18900000">
+          <a:off x="3846164" y="1693929"/>
+          <a:ext cx="462479" cy="309940"/>
+        </a:xfrm>
+        <a:prstGeom prst="rightArrow">
+          <a:avLst>
+            <a:gd name="adj1" fmla="val 60000"/>
+            <a:gd name="adj2" fmla="val 50000"/>
+          </a:avLst>
+        </a:prstGeom>
+        <a:solidFill>
+          <a:schemeClr val="accent1">
+            <a:tint val="60000"/>
+            <a:hueOff val="0"/>
+            <a:satOff val="0"/>
+            <a:lumOff val="0"/>
+            <a:alphaOff val="0"/>
+          </a:schemeClr>
+        </a:solidFill>
+        <a:ln>
+          <a:noFill/>
+        </a:ln>
+        <a:effectLst/>
+      </dsp:spPr>
+      <dsp:style>
+        <a:lnRef idx="0">
+          <a:scrgbClr r="0" g="0" b="0"/>
+        </a:lnRef>
+        <a:fillRef idx="1">
+          <a:scrgbClr r="0" g="0" b="0"/>
+        </a:fillRef>
+        <a:effectRef idx="0">
+          <a:scrgbClr r="0" g="0" b="0"/>
+        </a:effectRef>
+        <a:fontRef idx="minor">
+          <a:schemeClr val="lt1"/>
+        </a:fontRef>
+      </dsp:style>
+      <dsp:txBody>
+        <a:bodyPr spcFirstLastPara="0" vert="horz" wrap="square" lIns="0" tIns="0" rIns="0" bIns="0" numCol="1" spcCol="1270" anchor="ctr" anchorCtr="0">
+          <a:noAutofit/>
+        </a:bodyPr>
+        <a:lstStyle/>
+        <a:p>
+          <a:pPr marL="0" lvl="0" indent="0" algn="ctr" defTabSz="355600">
+            <a:lnSpc>
+              <a:spcPct val="90000"/>
+            </a:lnSpc>
+            <a:spcBef>
+              <a:spcPct val="0"/>
+            </a:spcBef>
+            <a:spcAft>
+              <a:spcPct val="35000"/>
+            </a:spcAft>
+            <a:buNone/>
+          </a:pPr>
+          <a:endParaRPr lang="en-GB" sz="800" kern="1200" noProof="0" dirty="0"/>
+        </a:p>
+      </dsp:txBody>
+      <dsp:txXfrm>
+        <a:off x="3859781" y="1788791"/>
+        <a:ext cx="369497" cy="185964"/>
+      </dsp:txXfrm>
+    </dsp:sp>
+    <dsp:sp modelId="{B1E56B8B-22E8-48CA-A698-9FBE122584C5}">
+      <dsp:nvSpPr>
+        <dsp:cNvPr id="0" name=""/>
+        <dsp:cNvSpPr/>
+      </dsp:nvSpPr>
+      <dsp:spPr>
+        <a:xfrm>
+          <a:off x="4228296" y="558519"/>
+          <a:ext cx="1139488" cy="1139488"/>
+        </a:xfrm>
+        <a:prstGeom prst="ellipse">
+          <a:avLst/>
+        </a:prstGeom>
+        <a:gradFill rotWithShape="1">
+          <a:gsLst>
+            <a:gs pos="0">
+              <a:schemeClr val="accent6">
+                <a:satMod val="103000"/>
+                <a:lumMod val="102000"/>
+                <a:tint val="94000"/>
+              </a:schemeClr>
+            </a:gs>
+            <a:gs pos="50000">
+              <a:schemeClr val="accent6">
+                <a:satMod val="110000"/>
+                <a:lumMod val="100000"/>
+                <a:shade val="100000"/>
+              </a:schemeClr>
+            </a:gs>
+            <a:gs pos="100000">
+              <a:schemeClr val="accent6">
+                <a:lumMod val="99000"/>
+                <a:satMod val="120000"/>
+                <a:shade val="78000"/>
+              </a:schemeClr>
+            </a:gs>
+          </a:gsLst>
+          <a:lin ang="5400000" scaled="0"/>
+        </a:gradFill>
+        <a:ln w="6350" cap="flat" cmpd="sng" algn="ctr">
+          <a:solidFill>
+            <a:schemeClr val="accent6"/>
+          </a:solidFill>
+          <a:prstDash val="solid"/>
+          <a:miter lim="800000"/>
+        </a:ln>
+        <a:effectLst/>
+      </dsp:spPr>
+      <dsp:style>
+        <a:lnRef idx="1">
+          <a:schemeClr val="accent6"/>
+        </a:lnRef>
+        <a:fillRef idx="3">
+          <a:schemeClr val="accent6"/>
+        </a:fillRef>
+        <a:effectRef idx="2">
+          <a:schemeClr val="accent6"/>
+        </a:effectRef>
+        <a:fontRef idx="minor">
+          <a:schemeClr val="lt1"/>
+        </a:fontRef>
+      </dsp:style>
+      <dsp:txBody>
+        <a:bodyPr spcFirstLastPara="0" vert="horz" wrap="square" lIns="12700" tIns="12700" rIns="12700" bIns="12700" numCol="1" spcCol="1270" anchor="ctr" anchorCtr="0">
+          <a:noAutofit/>
+        </a:bodyPr>
+        <a:lstStyle/>
+        <a:p>
+          <a:pPr marL="0" lvl="0" indent="0" algn="ctr" defTabSz="444500">
+            <a:lnSpc>
+              <a:spcPct val="90000"/>
+            </a:lnSpc>
+            <a:spcBef>
+              <a:spcPct val="0"/>
+            </a:spcBef>
+            <a:spcAft>
+              <a:spcPct val="35000"/>
+            </a:spcAft>
+            <a:buNone/>
+          </a:pPr>
+          <a:r>
+            <a:rPr lang="en-GB" sz="1000" kern="1200" noProof="0" dirty="0"/>
+            <a:t>Technical Expert Infrastructure Microsoft</a:t>
+          </a:r>
+        </a:p>
+      </dsp:txBody>
+      <dsp:txXfrm>
+        <a:off x="4395170" y="725393"/>
+        <a:ext cx="805740" cy="805740"/>
+      </dsp:txXfrm>
+    </dsp:sp>
+    <dsp:sp modelId="{9A7254FA-0589-4253-A792-F24DDF4EF9F1}">
+      <dsp:nvSpPr>
+        <dsp:cNvPr id="0" name=""/>
+        <dsp:cNvSpPr/>
+      </dsp:nvSpPr>
+      <dsp:spPr>
+        <a:xfrm>
+          <a:off x="4103619" y="2315482"/>
+          <a:ext cx="462479" cy="309940"/>
+        </a:xfrm>
+        <a:prstGeom prst="rightArrow">
+          <a:avLst>
+            <a:gd name="adj1" fmla="val 60000"/>
+            <a:gd name="adj2" fmla="val 50000"/>
+          </a:avLst>
+        </a:prstGeom>
+        <a:solidFill>
+          <a:schemeClr val="accent1">
+            <a:tint val="60000"/>
+            <a:hueOff val="0"/>
+            <a:satOff val="0"/>
+            <a:lumOff val="0"/>
+            <a:alphaOff val="0"/>
+          </a:schemeClr>
+        </a:solidFill>
+        <a:ln>
+          <a:noFill/>
+        </a:ln>
+        <a:effectLst/>
+      </dsp:spPr>
+      <dsp:style>
+        <a:lnRef idx="0">
+          <a:scrgbClr r="0" g="0" b="0"/>
+        </a:lnRef>
+        <a:fillRef idx="1">
+          <a:scrgbClr r="0" g="0" b="0"/>
+        </a:fillRef>
+        <a:effectRef idx="0">
+          <a:scrgbClr r="0" g="0" b="0"/>
+        </a:effectRef>
+        <a:fontRef idx="minor">
+          <a:schemeClr val="lt1"/>
+        </a:fontRef>
+      </dsp:style>
+      <dsp:txBody>
+        <a:bodyPr spcFirstLastPara="0" vert="horz" wrap="square" lIns="0" tIns="0" rIns="0" bIns="0" numCol="1" spcCol="1270" anchor="ctr" anchorCtr="0">
+          <a:noAutofit/>
+        </a:bodyPr>
+        <a:lstStyle/>
+        <a:p>
+          <a:pPr marL="0" lvl="0" indent="0" algn="ctr" defTabSz="355600">
+            <a:lnSpc>
+              <a:spcPct val="90000"/>
+            </a:lnSpc>
+            <a:spcBef>
+              <a:spcPct val="0"/>
+            </a:spcBef>
+            <a:spcAft>
+              <a:spcPct val="35000"/>
+            </a:spcAft>
+            <a:buNone/>
+          </a:pPr>
+          <a:endParaRPr lang="en-GB" sz="800" kern="1200" noProof="0" dirty="0"/>
+        </a:p>
+      </dsp:txBody>
+      <dsp:txXfrm>
+        <a:off x="4103619" y="2377470"/>
+        <a:ext cx="369497" cy="185964"/>
+      </dsp:txXfrm>
+    </dsp:sp>
+    <dsp:sp modelId="{A219B196-16B0-4475-848C-C94586FDC869}">
+      <dsp:nvSpPr>
+        <dsp:cNvPr id="0" name=""/>
+        <dsp:cNvSpPr/>
+      </dsp:nvSpPr>
+      <dsp:spPr>
+        <a:xfrm>
+          <a:off x="4784249" y="1900708"/>
+          <a:ext cx="1139488" cy="1139488"/>
+        </a:xfrm>
+        <a:prstGeom prst="ellipse">
+          <a:avLst/>
+        </a:prstGeom>
+        <a:gradFill rotWithShape="1">
+          <a:gsLst>
+            <a:gs pos="0">
+              <a:schemeClr val="accent4">
+                <a:satMod val="103000"/>
+                <a:lumMod val="102000"/>
+                <a:tint val="94000"/>
+              </a:schemeClr>
+            </a:gs>
+            <a:gs pos="50000">
+              <a:schemeClr val="accent4">
+                <a:satMod val="110000"/>
+                <a:lumMod val="100000"/>
+                <a:shade val="100000"/>
+              </a:schemeClr>
+            </a:gs>
+            <a:gs pos="100000">
+              <a:schemeClr val="accent4">
+                <a:lumMod val="99000"/>
+                <a:satMod val="120000"/>
+                <a:shade val="78000"/>
+              </a:schemeClr>
+            </a:gs>
+          </a:gsLst>
+          <a:lin ang="5400000" scaled="0"/>
+        </a:gradFill>
+        <a:ln w="6350" cap="flat" cmpd="sng" algn="ctr">
+          <a:solidFill>
+            <a:schemeClr val="accent4"/>
+          </a:solidFill>
+          <a:prstDash val="solid"/>
+          <a:miter lim="800000"/>
+        </a:ln>
+        <a:effectLst/>
+      </dsp:spPr>
+      <dsp:style>
+        <a:lnRef idx="1">
+          <a:schemeClr val="accent4"/>
+        </a:lnRef>
+        <a:fillRef idx="3">
+          <a:schemeClr val="accent4"/>
+        </a:fillRef>
+        <a:effectRef idx="2">
+          <a:schemeClr val="accent4"/>
+        </a:effectRef>
+        <a:fontRef idx="minor">
+          <a:schemeClr val="lt1"/>
+        </a:fontRef>
+      </dsp:style>
+      <dsp:txBody>
+        <a:bodyPr spcFirstLastPara="0" vert="horz" wrap="square" lIns="12700" tIns="12700" rIns="12700" bIns="12700" numCol="1" spcCol="1270" anchor="ctr" anchorCtr="0">
+          <a:noAutofit/>
+        </a:bodyPr>
+        <a:lstStyle/>
+        <a:p>
+          <a:pPr marL="0" lvl="0" indent="0" algn="ctr" defTabSz="444500">
+            <a:lnSpc>
+              <a:spcPct val="90000"/>
+            </a:lnSpc>
+            <a:spcBef>
+              <a:spcPct val="0"/>
+            </a:spcBef>
+            <a:spcAft>
+              <a:spcPct val="35000"/>
+            </a:spcAft>
+            <a:buNone/>
+          </a:pPr>
+          <a:r>
+            <a:rPr lang="en-GB" sz="1000" kern="1200" noProof="0" dirty="0"/>
+            <a:t>Solution Architect Team B</a:t>
+          </a:r>
+        </a:p>
+      </dsp:txBody>
+      <dsp:txXfrm>
+        <a:off x="4951123" y="2067582"/>
+        <a:ext cx="805740" cy="805740"/>
+      </dsp:txXfrm>
+    </dsp:sp>
+    <dsp:sp modelId="{FA977626-ECB8-42E6-A1CD-9BB95D8958DA}">
+      <dsp:nvSpPr>
+        <dsp:cNvPr id="0" name=""/>
+        <dsp:cNvSpPr/>
+      </dsp:nvSpPr>
+      <dsp:spPr>
+        <a:xfrm rot="2700000">
+          <a:off x="3846164" y="2937034"/>
+          <a:ext cx="462479" cy="309940"/>
+        </a:xfrm>
+        <a:prstGeom prst="rightArrow">
+          <a:avLst>
+            <a:gd name="adj1" fmla="val 60000"/>
+            <a:gd name="adj2" fmla="val 50000"/>
+          </a:avLst>
+        </a:prstGeom>
+        <a:solidFill>
+          <a:schemeClr val="accent1">
+            <a:tint val="60000"/>
+            <a:hueOff val="0"/>
+            <a:satOff val="0"/>
+            <a:lumOff val="0"/>
+            <a:alphaOff val="0"/>
+          </a:schemeClr>
+        </a:solidFill>
+        <a:ln>
+          <a:noFill/>
+        </a:ln>
+        <a:effectLst/>
+      </dsp:spPr>
+      <dsp:style>
+        <a:lnRef idx="0">
+          <a:scrgbClr r="0" g="0" b="0"/>
+        </a:lnRef>
+        <a:fillRef idx="1">
+          <a:scrgbClr r="0" g="0" b="0"/>
+        </a:fillRef>
+        <a:effectRef idx="0">
+          <a:scrgbClr r="0" g="0" b="0"/>
+        </a:effectRef>
+        <a:fontRef idx="minor">
+          <a:schemeClr val="lt1"/>
+        </a:fontRef>
+      </dsp:style>
+      <dsp:txBody>
+        <a:bodyPr spcFirstLastPara="0" vert="horz" wrap="square" lIns="0" tIns="0" rIns="0" bIns="0" numCol="1" spcCol="1270" anchor="ctr" anchorCtr="0">
+          <a:noAutofit/>
+        </a:bodyPr>
+        <a:lstStyle/>
+        <a:p>
+          <a:pPr marL="0" lvl="0" indent="0" algn="ctr" defTabSz="355600">
+            <a:lnSpc>
+              <a:spcPct val="90000"/>
+            </a:lnSpc>
+            <a:spcBef>
+              <a:spcPct val="0"/>
+            </a:spcBef>
+            <a:spcAft>
+              <a:spcPct val="35000"/>
+            </a:spcAft>
+            <a:buNone/>
+          </a:pPr>
+          <a:endParaRPr lang="en-GB" sz="800" kern="1200" noProof="0" dirty="0"/>
+        </a:p>
+      </dsp:txBody>
+      <dsp:txXfrm>
+        <a:off x="3859781" y="2966148"/>
+        <a:ext cx="369497" cy="185964"/>
+      </dsp:txXfrm>
+    </dsp:sp>
+    <dsp:sp modelId="{D2D537E6-BCF3-401A-B55C-070E67E031F4}">
+      <dsp:nvSpPr>
+        <dsp:cNvPr id="0" name=""/>
+        <dsp:cNvSpPr/>
+      </dsp:nvSpPr>
+      <dsp:spPr>
+        <a:xfrm>
+          <a:off x="4228296" y="3242897"/>
+          <a:ext cx="1139488" cy="1139488"/>
+        </a:xfrm>
+        <a:prstGeom prst="ellipse">
+          <a:avLst/>
+        </a:prstGeom>
+        <a:gradFill rotWithShape="1">
+          <a:gsLst>
+            <a:gs pos="0">
+              <a:schemeClr val="accent6">
+                <a:satMod val="103000"/>
+                <a:lumMod val="102000"/>
+                <a:tint val="94000"/>
+              </a:schemeClr>
+            </a:gs>
+            <a:gs pos="50000">
+              <a:schemeClr val="accent6">
+                <a:satMod val="110000"/>
+                <a:lumMod val="100000"/>
+                <a:shade val="100000"/>
+              </a:schemeClr>
+            </a:gs>
+            <a:gs pos="100000">
+              <a:schemeClr val="accent6">
+                <a:lumMod val="99000"/>
+                <a:satMod val="120000"/>
+                <a:shade val="78000"/>
+              </a:schemeClr>
+            </a:gs>
+          </a:gsLst>
+          <a:lin ang="5400000" scaled="0"/>
+        </a:gradFill>
+        <a:ln w="6350" cap="flat" cmpd="sng" algn="ctr">
+          <a:solidFill>
+            <a:schemeClr val="accent6"/>
+          </a:solidFill>
+          <a:prstDash val="solid"/>
+          <a:miter lim="800000"/>
+        </a:ln>
+        <a:effectLst/>
+      </dsp:spPr>
+      <dsp:style>
+        <a:lnRef idx="1">
+          <a:schemeClr val="accent6"/>
+        </a:lnRef>
+        <a:fillRef idx="3">
+          <a:schemeClr val="accent6"/>
+        </a:fillRef>
+        <a:effectRef idx="2">
+          <a:schemeClr val="accent6"/>
+        </a:effectRef>
+        <a:fontRef idx="minor">
+          <a:schemeClr val="lt1"/>
+        </a:fontRef>
+      </dsp:style>
+      <dsp:txBody>
+        <a:bodyPr spcFirstLastPara="0" vert="horz" wrap="square" lIns="12700" tIns="12700" rIns="12700" bIns="12700" numCol="1" spcCol="1270" anchor="ctr" anchorCtr="0">
+          <a:noAutofit/>
+        </a:bodyPr>
+        <a:lstStyle/>
+        <a:p>
+          <a:pPr marL="0" lvl="0" indent="0" algn="ctr" defTabSz="444500">
+            <a:lnSpc>
+              <a:spcPct val="90000"/>
+            </a:lnSpc>
+            <a:spcBef>
+              <a:spcPct val="0"/>
+            </a:spcBef>
+            <a:spcAft>
+              <a:spcPct val="35000"/>
+            </a:spcAft>
+            <a:buNone/>
+          </a:pPr>
+          <a:r>
+            <a:rPr lang="en-GB" sz="1000" kern="1200" noProof="0" dirty="0"/>
+            <a:t>Technical Expert Infrastructure Linux</a:t>
+          </a:r>
+        </a:p>
+      </dsp:txBody>
+      <dsp:txXfrm>
+        <a:off x="4395170" y="3409771"/>
+        <a:ext cx="805740" cy="805740"/>
+      </dsp:txXfrm>
+    </dsp:sp>
+    <dsp:sp modelId="{4B8704FC-FEBD-4BC8-93C3-37AA96B6E7BA}">
+      <dsp:nvSpPr>
+        <dsp:cNvPr id="0" name=""/>
+        <dsp:cNvSpPr/>
+      </dsp:nvSpPr>
+      <dsp:spPr>
+        <a:xfrm rot="5400000">
+          <a:off x="3224611" y="3194489"/>
+          <a:ext cx="462479" cy="309940"/>
+        </a:xfrm>
+        <a:prstGeom prst="rightArrow">
+          <a:avLst>
+            <a:gd name="adj1" fmla="val 60000"/>
+            <a:gd name="adj2" fmla="val 50000"/>
+          </a:avLst>
+        </a:prstGeom>
+        <a:solidFill>
+          <a:schemeClr val="accent1">
+            <a:tint val="60000"/>
+            <a:hueOff val="0"/>
+            <a:satOff val="0"/>
+            <a:lumOff val="0"/>
+            <a:alphaOff val="0"/>
+          </a:schemeClr>
+        </a:solidFill>
+        <a:ln>
+          <a:noFill/>
+        </a:ln>
+        <a:effectLst/>
+      </dsp:spPr>
+      <dsp:style>
+        <a:lnRef idx="0">
+          <a:scrgbClr r="0" g="0" b="0"/>
+        </a:lnRef>
+        <a:fillRef idx="1">
+          <a:scrgbClr r="0" g="0" b="0"/>
+        </a:fillRef>
+        <a:effectRef idx="0">
+          <a:scrgbClr r="0" g="0" b="0"/>
+        </a:effectRef>
+        <a:fontRef idx="minor">
+          <a:schemeClr val="lt1"/>
+        </a:fontRef>
+      </dsp:style>
+      <dsp:txBody>
+        <a:bodyPr spcFirstLastPara="0" vert="horz" wrap="square" lIns="0" tIns="0" rIns="0" bIns="0" numCol="1" spcCol="1270" anchor="ctr" anchorCtr="0">
+          <a:noAutofit/>
+        </a:bodyPr>
+        <a:lstStyle/>
+        <a:p>
+          <a:pPr marL="0" lvl="0" indent="0" algn="ctr" defTabSz="355600">
+            <a:lnSpc>
+              <a:spcPct val="90000"/>
+            </a:lnSpc>
+            <a:spcBef>
+              <a:spcPct val="0"/>
+            </a:spcBef>
+            <a:spcAft>
+              <a:spcPct val="35000"/>
+            </a:spcAft>
+            <a:buNone/>
+          </a:pPr>
+          <a:endParaRPr lang="en-GB" sz="800" kern="1200" noProof="0" dirty="0"/>
+        </a:p>
+      </dsp:txBody>
+      <dsp:txXfrm>
+        <a:off x="3271102" y="3209986"/>
+        <a:ext cx="369497" cy="185964"/>
+      </dsp:txXfrm>
+    </dsp:sp>
+    <dsp:sp modelId="{3458CC2D-6C0B-488B-81C5-84DFE281E19F}">
+      <dsp:nvSpPr>
+        <dsp:cNvPr id="0" name=""/>
+        <dsp:cNvSpPr/>
+      </dsp:nvSpPr>
+      <dsp:spPr>
+        <a:xfrm>
+          <a:off x="2886107" y="3798850"/>
+          <a:ext cx="1139488" cy="1139488"/>
+        </a:xfrm>
+        <a:prstGeom prst="ellipse">
+          <a:avLst/>
+        </a:prstGeom>
+        <a:gradFill rotWithShape="1">
+          <a:gsLst>
+            <a:gs pos="0">
+              <a:schemeClr val="accent4">
+                <a:satMod val="103000"/>
+                <a:lumMod val="102000"/>
+                <a:tint val="94000"/>
+              </a:schemeClr>
+            </a:gs>
+            <a:gs pos="50000">
+              <a:schemeClr val="accent4">
+                <a:satMod val="110000"/>
+                <a:lumMod val="100000"/>
+                <a:shade val="100000"/>
+              </a:schemeClr>
+            </a:gs>
+            <a:gs pos="100000">
+              <a:schemeClr val="accent4">
+                <a:lumMod val="99000"/>
+                <a:satMod val="120000"/>
+                <a:shade val="78000"/>
+              </a:schemeClr>
+            </a:gs>
+          </a:gsLst>
+          <a:lin ang="5400000" scaled="0"/>
+        </a:gradFill>
+        <a:ln w="6350" cap="flat" cmpd="sng" algn="ctr">
+          <a:solidFill>
+            <a:schemeClr val="accent4"/>
+          </a:solidFill>
+          <a:prstDash val="solid"/>
+          <a:miter lim="800000"/>
+        </a:ln>
+        <a:effectLst/>
+      </dsp:spPr>
+      <dsp:style>
+        <a:lnRef idx="1">
+          <a:schemeClr val="accent4"/>
+        </a:lnRef>
+        <a:fillRef idx="3">
+          <a:schemeClr val="accent4"/>
+        </a:fillRef>
+        <a:effectRef idx="2">
+          <a:schemeClr val="accent4"/>
+        </a:effectRef>
+        <a:fontRef idx="minor">
+          <a:schemeClr val="lt1"/>
+        </a:fontRef>
+      </dsp:style>
+      <dsp:txBody>
+        <a:bodyPr spcFirstLastPara="0" vert="horz" wrap="square" lIns="12700" tIns="12700" rIns="12700" bIns="12700" numCol="1" spcCol="1270" anchor="ctr" anchorCtr="0">
+          <a:noAutofit/>
+        </a:bodyPr>
+        <a:lstStyle/>
+        <a:p>
+          <a:pPr marL="0" lvl="0" indent="0" algn="ctr" defTabSz="444500">
+            <a:lnSpc>
+              <a:spcPct val="90000"/>
+            </a:lnSpc>
+            <a:spcBef>
+              <a:spcPct val="0"/>
+            </a:spcBef>
+            <a:spcAft>
+              <a:spcPct val="35000"/>
+            </a:spcAft>
+            <a:buNone/>
+          </a:pPr>
+          <a:r>
+            <a:rPr lang="en-GB" sz="1000" kern="1200" noProof="0" dirty="0"/>
+            <a:t>Solution Architect Team Y</a:t>
+          </a:r>
+        </a:p>
+      </dsp:txBody>
+      <dsp:txXfrm>
+        <a:off x="3052981" y="3965724"/>
+        <a:ext cx="805740" cy="805740"/>
+      </dsp:txXfrm>
+    </dsp:sp>
+    <dsp:sp modelId="{9D4F816F-BFDB-40E5-8403-814C02352F9E}">
+      <dsp:nvSpPr>
+        <dsp:cNvPr id="0" name=""/>
+        <dsp:cNvSpPr/>
+      </dsp:nvSpPr>
+      <dsp:spPr>
+        <a:xfrm rot="8100000">
+          <a:off x="2603059" y="2937034"/>
+          <a:ext cx="462479" cy="309940"/>
+        </a:xfrm>
+        <a:prstGeom prst="rightArrow">
+          <a:avLst>
+            <a:gd name="adj1" fmla="val 60000"/>
+            <a:gd name="adj2" fmla="val 50000"/>
+          </a:avLst>
+        </a:prstGeom>
+        <a:solidFill>
+          <a:schemeClr val="accent1">
+            <a:tint val="60000"/>
+            <a:hueOff val="0"/>
+            <a:satOff val="0"/>
+            <a:lumOff val="0"/>
+            <a:alphaOff val="0"/>
+          </a:schemeClr>
+        </a:solidFill>
+        <a:ln>
+          <a:noFill/>
+        </a:ln>
+        <a:effectLst/>
+      </dsp:spPr>
+      <dsp:style>
+        <a:lnRef idx="0">
+          <a:scrgbClr r="0" g="0" b="0"/>
+        </a:lnRef>
+        <a:fillRef idx="1">
+          <a:scrgbClr r="0" g="0" b="0"/>
+        </a:fillRef>
+        <a:effectRef idx="0">
+          <a:scrgbClr r="0" g="0" b="0"/>
+        </a:effectRef>
+        <a:fontRef idx="minor">
+          <a:schemeClr val="lt1"/>
+        </a:fontRef>
+      </dsp:style>
+      <dsp:txBody>
+        <a:bodyPr spcFirstLastPara="0" vert="horz" wrap="square" lIns="0" tIns="0" rIns="0" bIns="0" numCol="1" spcCol="1270" anchor="ctr" anchorCtr="0">
+          <a:noAutofit/>
+        </a:bodyPr>
+        <a:lstStyle/>
+        <a:p>
+          <a:pPr marL="0" lvl="0" indent="0" algn="ctr" defTabSz="355600">
+            <a:lnSpc>
+              <a:spcPct val="90000"/>
+            </a:lnSpc>
+            <a:spcBef>
+              <a:spcPct val="0"/>
+            </a:spcBef>
+            <a:spcAft>
+              <a:spcPct val="35000"/>
+            </a:spcAft>
+            <a:buNone/>
+          </a:pPr>
+          <a:endParaRPr lang="en-GB" sz="800" kern="1200" noProof="0" dirty="0"/>
+        </a:p>
+      </dsp:txBody>
+      <dsp:txXfrm rot="10800000">
+        <a:off x="2682424" y="2966148"/>
+        <a:ext cx="369497" cy="185964"/>
+      </dsp:txXfrm>
+    </dsp:sp>
+    <dsp:sp modelId="{22B8ED92-4E23-4863-9ED2-4C234AE808C7}">
+      <dsp:nvSpPr>
+        <dsp:cNvPr id="0" name=""/>
+        <dsp:cNvSpPr/>
+      </dsp:nvSpPr>
+      <dsp:spPr>
+        <a:xfrm>
+          <a:off x="1543918" y="3242897"/>
+          <a:ext cx="1139488" cy="1139488"/>
+        </a:xfrm>
+        <a:prstGeom prst="ellipse">
+          <a:avLst/>
+        </a:prstGeom>
+        <a:gradFill rotWithShape="1">
+          <a:gsLst>
+            <a:gs pos="0">
+              <a:schemeClr val="accent6">
+                <a:satMod val="103000"/>
+                <a:lumMod val="102000"/>
+                <a:tint val="94000"/>
+              </a:schemeClr>
+            </a:gs>
+            <a:gs pos="50000">
+              <a:schemeClr val="accent6">
+                <a:satMod val="110000"/>
+                <a:lumMod val="100000"/>
+                <a:shade val="100000"/>
+              </a:schemeClr>
+            </a:gs>
+            <a:gs pos="100000">
+              <a:schemeClr val="accent6">
+                <a:lumMod val="99000"/>
+                <a:satMod val="120000"/>
+                <a:shade val="78000"/>
+              </a:schemeClr>
+            </a:gs>
+          </a:gsLst>
+          <a:lin ang="5400000" scaled="0"/>
+        </a:gradFill>
+        <a:ln w="6350" cap="flat" cmpd="sng" algn="ctr">
+          <a:solidFill>
+            <a:schemeClr val="accent6"/>
+          </a:solidFill>
+          <a:prstDash val="solid"/>
+          <a:miter lim="800000"/>
+        </a:ln>
+        <a:effectLst/>
+      </dsp:spPr>
+      <dsp:style>
+        <a:lnRef idx="1">
+          <a:schemeClr val="accent6"/>
+        </a:lnRef>
+        <a:fillRef idx="3">
+          <a:schemeClr val="accent6"/>
+        </a:fillRef>
+        <a:effectRef idx="2">
+          <a:schemeClr val="accent6"/>
+        </a:effectRef>
+        <a:fontRef idx="minor">
+          <a:schemeClr val="lt1"/>
+        </a:fontRef>
+      </dsp:style>
+      <dsp:txBody>
+        <a:bodyPr spcFirstLastPara="0" vert="horz" wrap="square" lIns="12700" tIns="12700" rIns="12700" bIns="12700" numCol="1" spcCol="1270" anchor="ctr" anchorCtr="0">
+          <a:noAutofit/>
+        </a:bodyPr>
+        <a:lstStyle/>
+        <a:p>
+          <a:pPr marL="0" lvl="0" indent="0" algn="ctr" defTabSz="444500">
+            <a:lnSpc>
+              <a:spcPct val="90000"/>
+            </a:lnSpc>
+            <a:spcBef>
+              <a:spcPct val="0"/>
+            </a:spcBef>
+            <a:spcAft>
+              <a:spcPct val="35000"/>
+            </a:spcAft>
+            <a:buNone/>
+          </a:pPr>
+          <a:r>
+            <a:rPr lang="en-GB" sz="1000" kern="1200" noProof="0" dirty="0"/>
+            <a:t>Technical Expert Infrastructure Databases</a:t>
+          </a:r>
+        </a:p>
+      </dsp:txBody>
+      <dsp:txXfrm>
+        <a:off x="1710792" y="3409771"/>
+        <a:ext cx="805740" cy="805740"/>
+      </dsp:txXfrm>
+    </dsp:sp>
+    <dsp:sp modelId="{4602FC5E-2CCC-4A2D-B7A2-60A074B7578E}">
+      <dsp:nvSpPr>
+        <dsp:cNvPr id="0" name=""/>
+        <dsp:cNvSpPr/>
+      </dsp:nvSpPr>
+      <dsp:spPr>
+        <a:xfrm rot="10800000">
+          <a:off x="2345604" y="2315482"/>
+          <a:ext cx="462479" cy="309940"/>
+        </a:xfrm>
+        <a:prstGeom prst="rightArrow">
+          <a:avLst>
+            <a:gd name="adj1" fmla="val 60000"/>
+            <a:gd name="adj2" fmla="val 50000"/>
+          </a:avLst>
+        </a:prstGeom>
+        <a:solidFill>
+          <a:schemeClr val="accent1">
+            <a:tint val="60000"/>
+            <a:hueOff val="0"/>
+            <a:satOff val="0"/>
+            <a:lumOff val="0"/>
+            <a:alphaOff val="0"/>
+          </a:schemeClr>
+        </a:solidFill>
+        <a:ln>
+          <a:noFill/>
+        </a:ln>
+        <a:effectLst/>
+      </dsp:spPr>
+      <dsp:style>
+        <a:lnRef idx="0">
+          <a:scrgbClr r="0" g="0" b="0"/>
+        </a:lnRef>
+        <a:fillRef idx="1">
+          <a:scrgbClr r="0" g="0" b="0"/>
+        </a:fillRef>
+        <a:effectRef idx="0">
+          <a:scrgbClr r="0" g="0" b="0"/>
+        </a:effectRef>
+        <a:fontRef idx="minor">
+          <a:schemeClr val="lt1"/>
+        </a:fontRef>
+      </dsp:style>
+      <dsp:txBody>
+        <a:bodyPr spcFirstLastPara="0" vert="horz" wrap="square" lIns="0" tIns="0" rIns="0" bIns="0" numCol="1" spcCol="1270" anchor="ctr" anchorCtr="0">
+          <a:noAutofit/>
+        </a:bodyPr>
+        <a:lstStyle/>
+        <a:p>
+          <a:pPr marL="0" lvl="0" indent="0" algn="ctr" defTabSz="355600">
+            <a:lnSpc>
+              <a:spcPct val="90000"/>
+            </a:lnSpc>
+            <a:spcBef>
+              <a:spcPct val="0"/>
+            </a:spcBef>
+            <a:spcAft>
+              <a:spcPct val="35000"/>
+            </a:spcAft>
+            <a:buNone/>
+          </a:pPr>
+          <a:endParaRPr lang="en-GB" sz="800" kern="1200" noProof="0" dirty="0"/>
+        </a:p>
+      </dsp:txBody>
+      <dsp:txXfrm rot="10800000">
+        <a:off x="2438586" y="2377470"/>
+        <a:ext cx="369497" cy="185964"/>
+      </dsp:txXfrm>
+    </dsp:sp>
+    <dsp:sp modelId="{938DC381-3282-4D2C-9844-40B211E1FB8C}">
+      <dsp:nvSpPr>
+        <dsp:cNvPr id="0" name=""/>
+        <dsp:cNvSpPr/>
+      </dsp:nvSpPr>
+      <dsp:spPr>
+        <a:xfrm>
+          <a:off x="987965" y="1900708"/>
+          <a:ext cx="1139488" cy="1139488"/>
+        </a:xfrm>
+        <a:prstGeom prst="ellipse">
+          <a:avLst/>
+        </a:prstGeom>
+        <a:gradFill rotWithShape="1">
+          <a:gsLst>
+            <a:gs pos="0">
+              <a:schemeClr val="accent4">
+                <a:satMod val="103000"/>
+                <a:lumMod val="102000"/>
+                <a:tint val="94000"/>
+              </a:schemeClr>
+            </a:gs>
+            <a:gs pos="50000">
+              <a:schemeClr val="accent4">
+                <a:satMod val="110000"/>
+                <a:lumMod val="100000"/>
+                <a:shade val="100000"/>
+              </a:schemeClr>
+            </a:gs>
+            <a:gs pos="100000">
+              <a:schemeClr val="accent4">
+                <a:lumMod val="99000"/>
+                <a:satMod val="120000"/>
+                <a:shade val="78000"/>
+              </a:schemeClr>
+            </a:gs>
+          </a:gsLst>
+          <a:lin ang="5400000" scaled="0"/>
+        </a:gradFill>
+        <a:ln w="6350" cap="flat" cmpd="sng" algn="ctr">
+          <a:solidFill>
+            <a:schemeClr val="accent4"/>
+          </a:solidFill>
+          <a:prstDash val="solid"/>
+          <a:miter lim="800000"/>
+        </a:ln>
+        <a:effectLst/>
+      </dsp:spPr>
+      <dsp:style>
+        <a:lnRef idx="1">
+          <a:schemeClr val="accent4"/>
+        </a:lnRef>
+        <a:fillRef idx="3">
+          <a:schemeClr val="accent4"/>
+        </a:fillRef>
+        <a:effectRef idx="2">
+          <a:schemeClr val="accent4"/>
+        </a:effectRef>
+        <a:fontRef idx="minor">
+          <a:schemeClr val="lt1"/>
+        </a:fontRef>
+      </dsp:style>
+      <dsp:txBody>
+        <a:bodyPr spcFirstLastPara="0" vert="horz" wrap="square" lIns="12700" tIns="12700" rIns="12700" bIns="12700" numCol="1" spcCol="1270" anchor="ctr" anchorCtr="0">
+          <a:noAutofit/>
+        </a:bodyPr>
+        <a:lstStyle/>
+        <a:p>
+          <a:pPr marL="0" lvl="0" indent="0" algn="ctr" defTabSz="444500">
+            <a:lnSpc>
+              <a:spcPct val="90000"/>
+            </a:lnSpc>
+            <a:spcBef>
+              <a:spcPct val="0"/>
+            </a:spcBef>
+            <a:spcAft>
+              <a:spcPct val="35000"/>
+            </a:spcAft>
+            <a:buNone/>
+          </a:pPr>
+          <a:r>
+            <a:rPr lang="en-GB" sz="1000" kern="1200" noProof="0" dirty="0"/>
+            <a:t>Solution Architect Team Z</a:t>
+          </a:r>
+        </a:p>
+      </dsp:txBody>
+      <dsp:txXfrm>
+        <a:off x="1154839" y="2067582"/>
+        <a:ext cx="805740" cy="805740"/>
+      </dsp:txXfrm>
+    </dsp:sp>
+    <dsp:sp modelId="{68180702-463C-4DEA-8024-7F16F520FD8A}">
+      <dsp:nvSpPr>
+        <dsp:cNvPr id="0" name=""/>
+        <dsp:cNvSpPr/>
+      </dsp:nvSpPr>
+      <dsp:spPr>
+        <a:xfrm rot="13500000">
+          <a:off x="2603059" y="1693929"/>
+          <a:ext cx="462479" cy="309940"/>
+        </a:xfrm>
+        <a:prstGeom prst="rightArrow">
+          <a:avLst>
+            <a:gd name="adj1" fmla="val 60000"/>
+            <a:gd name="adj2" fmla="val 50000"/>
+          </a:avLst>
+        </a:prstGeom>
+        <a:solidFill>
+          <a:schemeClr val="accent1">
+            <a:tint val="60000"/>
+            <a:hueOff val="0"/>
+            <a:satOff val="0"/>
+            <a:lumOff val="0"/>
+            <a:alphaOff val="0"/>
+          </a:schemeClr>
+        </a:solidFill>
+        <a:ln>
+          <a:noFill/>
+        </a:ln>
+        <a:effectLst/>
+      </dsp:spPr>
+      <dsp:style>
+        <a:lnRef idx="0">
+          <a:scrgbClr r="0" g="0" b="0"/>
+        </a:lnRef>
+        <a:fillRef idx="1">
+          <a:scrgbClr r="0" g="0" b="0"/>
+        </a:fillRef>
+        <a:effectRef idx="0">
+          <a:scrgbClr r="0" g="0" b="0"/>
+        </a:effectRef>
+        <a:fontRef idx="minor">
+          <a:schemeClr val="lt1"/>
+        </a:fontRef>
+      </dsp:style>
+      <dsp:txBody>
+        <a:bodyPr spcFirstLastPara="0" vert="horz" wrap="square" lIns="0" tIns="0" rIns="0" bIns="0" numCol="1" spcCol="1270" anchor="ctr" anchorCtr="0">
+          <a:noAutofit/>
+        </a:bodyPr>
+        <a:lstStyle/>
+        <a:p>
+          <a:pPr marL="0" lvl="0" indent="0" algn="ctr" defTabSz="355600">
+            <a:lnSpc>
+              <a:spcPct val="90000"/>
+            </a:lnSpc>
+            <a:spcBef>
+              <a:spcPct val="0"/>
+            </a:spcBef>
+            <a:spcAft>
+              <a:spcPct val="35000"/>
+            </a:spcAft>
+            <a:buNone/>
+          </a:pPr>
+          <a:endParaRPr lang="en-GB" sz="800" kern="1200" noProof="0" dirty="0"/>
+        </a:p>
+      </dsp:txBody>
+      <dsp:txXfrm rot="10800000">
+        <a:off x="2682424" y="1788791"/>
+        <a:ext cx="369497" cy="185964"/>
+      </dsp:txXfrm>
+    </dsp:sp>
+    <dsp:sp modelId="{4D3FEE86-6B0A-43A8-B840-C3269E5F3EB3}">
+      <dsp:nvSpPr>
+        <dsp:cNvPr id="0" name=""/>
+        <dsp:cNvSpPr/>
+      </dsp:nvSpPr>
+      <dsp:spPr>
+        <a:xfrm>
+          <a:off x="1543918" y="558519"/>
+          <a:ext cx="1139488" cy="1139488"/>
+        </a:xfrm>
+        <a:prstGeom prst="ellipse">
+          <a:avLst/>
+        </a:prstGeom>
+        <a:gradFill rotWithShape="1">
+          <a:gsLst>
+            <a:gs pos="0">
+              <a:schemeClr val="accent6">
+                <a:satMod val="103000"/>
+                <a:lumMod val="102000"/>
+                <a:tint val="94000"/>
+              </a:schemeClr>
+            </a:gs>
+            <a:gs pos="50000">
+              <a:schemeClr val="accent6">
+                <a:satMod val="110000"/>
+                <a:lumMod val="100000"/>
+                <a:shade val="100000"/>
+              </a:schemeClr>
+            </a:gs>
+            <a:gs pos="100000">
+              <a:schemeClr val="accent6">
+                <a:lumMod val="99000"/>
+                <a:satMod val="120000"/>
+                <a:shade val="78000"/>
+              </a:schemeClr>
+            </a:gs>
+          </a:gsLst>
+          <a:lin ang="5400000" scaled="0"/>
+        </a:gradFill>
+        <a:ln w="6350" cap="flat" cmpd="sng" algn="ctr">
+          <a:solidFill>
+            <a:schemeClr val="accent6"/>
+          </a:solidFill>
+          <a:prstDash val="solid"/>
+          <a:miter lim="800000"/>
+        </a:ln>
+        <a:effectLst/>
+      </dsp:spPr>
+      <dsp:style>
+        <a:lnRef idx="1">
+          <a:schemeClr val="accent6"/>
+        </a:lnRef>
+        <a:fillRef idx="3">
+          <a:schemeClr val="accent6"/>
+        </a:fillRef>
+        <a:effectRef idx="2">
+          <a:schemeClr val="accent6"/>
+        </a:effectRef>
+        <a:fontRef idx="minor">
+          <a:schemeClr val="lt1"/>
+        </a:fontRef>
+      </dsp:style>
+      <dsp:txBody>
+        <a:bodyPr spcFirstLastPara="0" vert="horz" wrap="square" lIns="12700" tIns="12700" rIns="12700" bIns="12700" numCol="1" spcCol="1270" anchor="ctr" anchorCtr="0">
+          <a:noAutofit/>
+        </a:bodyPr>
+        <a:lstStyle/>
+        <a:p>
+          <a:pPr marL="0" lvl="0" indent="0" algn="ctr" defTabSz="444500">
+            <a:lnSpc>
+              <a:spcPct val="90000"/>
+            </a:lnSpc>
+            <a:spcBef>
+              <a:spcPct val="0"/>
+            </a:spcBef>
+            <a:spcAft>
+              <a:spcPct val="35000"/>
+            </a:spcAft>
+            <a:buNone/>
+          </a:pPr>
+          <a:r>
+            <a:rPr lang="en-GB" sz="1000" kern="1200" noProof="0" dirty="0"/>
+            <a:t>Technical Expert Infrastructure Middleware</a:t>
+          </a:r>
+        </a:p>
+      </dsp:txBody>
+      <dsp:txXfrm>
+        <a:off x="1710792" y="725393"/>
+        <a:ext cx="805740" cy="805740"/>
+      </dsp:txXfrm>
+    </dsp:sp>
+  </dsp:spTree>
+</dsp:drawing>
+</file>
+
+<file path=ppt/diagrams/layout1.xml><?xml version="1.0" encoding="utf-8"?>
+<dgm:layoutDef xmlns:dgm="http://schemas.openxmlformats.org/drawingml/2006/diagram" xmlns:a="http://schemas.openxmlformats.org/drawingml/2006/main" uniqueId="urn:microsoft.com/office/officeart/2005/8/layout/radial5">
+  <dgm:title val=""/>
+  <dgm:desc val=""/>
+  <dgm:catLst>
+    <dgm:cat type="relationship" pri="23000"/>
+    <dgm:cat type="cycle" pri="11000"/>
+  </dgm:catLst>
+  <dgm:sampData>
+    <dgm:dataModel>
+      <dgm:ptLst>
+        <dgm:pt modelId="0" type="doc"/>
+        <dgm:pt modelId="1">
+          <dgm:prSet phldr="1"/>
+        </dgm:pt>
+        <dgm:pt modelId="11">
+          <dgm:prSet phldr="1"/>
+        </dgm:pt>
+        <dgm:pt modelId="12">
+          <dgm:prSet phldr="1"/>
+        </dgm:pt>
+        <dgm:pt modelId="13">
+          <dgm:prSet phldr="1"/>
+        </dgm:pt>
+        <dgm:pt modelId="14">
+          <dgm:prSet phldr="1"/>
+        </dgm:pt>
+      </dgm:ptLst>
+      <dgm:cxnLst>
+        <dgm:cxn modelId="2" srcId="0" destId="1" srcOrd="0" destOrd="0"/>
+        <dgm:cxn modelId="3" srcId="1" destId="11" srcOrd="0" destOrd="0"/>
+        <dgm:cxn modelId="4" srcId="1" destId="12" srcOrd="1" destOrd="0"/>
+        <dgm:cxn modelId="5" srcId="1" destId="13" srcOrd="2" destOrd="0"/>
+        <dgm:cxn modelId="6" srcId="1" destId="14" srcOrd="3" destOrd="0"/>
+      </dgm:cxnLst>
+      <dgm:bg/>
+      <dgm:whole/>
+    </dgm:dataModel>
+  </dgm:sampData>
+  <dgm:styleData>
+    <dgm:dataModel>
+      <dgm:ptLst>
+        <dgm:pt modelId="0" type="doc"/>
+        <dgm:pt modelId="1"/>
+        <dgm:pt modelId="11"/>
+        <dgm:pt modelId="12"/>
+        <dgm:pt modelId="13"/>
+      </dgm:ptLst>
+      <dgm:cxnLst>
+        <dgm:cxn modelId="2" srcId="0" destId="1" srcOrd="0" destOrd="0"/>
+        <dgm:cxn modelId="15" srcId="1" destId="11" srcOrd="0" destOrd="0"/>
+        <dgm:cxn modelId="16" srcId="1" destId="12" srcOrd="1" destOrd="0"/>
+        <dgm:cxn modelId="17" srcId="1" destId="13" srcOrd="2" destOrd="0"/>
+      </dgm:cxnLst>
+      <dgm:bg/>
+      <dgm:whole/>
+    </dgm:dataModel>
+  </dgm:styleData>
+  <dgm:clrData>
+    <dgm:dataModel>
+      <dgm:ptLst>
+        <dgm:pt modelId="0" type="doc"/>
+        <dgm:pt modelId="1"/>
+        <dgm:pt modelId="11"/>
+        <dgm:pt modelId="12"/>
+        <dgm:pt modelId="13"/>
+        <dgm:pt modelId="14"/>
+        <dgm:pt modelId="15"/>
+        <dgm:pt modelId="16"/>
+      </dgm:ptLst>
+      <dgm:cxnLst>
+        <dgm:cxn modelId="2" srcId="0" destId="1" srcOrd="0" destOrd="0"/>
+        <dgm:cxn modelId="16" srcId="1" destId="11" srcOrd="0" destOrd="0"/>
+        <dgm:cxn modelId="17" srcId="1" destId="12" srcOrd="1" destOrd="0"/>
+        <dgm:cxn modelId="18" srcId="1" destId="13" srcOrd="2" destOrd="0"/>
+        <dgm:cxn modelId="19" srcId="1" destId="14" srcOrd="3" destOrd="0"/>
+        <dgm:cxn modelId="20" srcId="1" destId="15" srcOrd="4" destOrd="0"/>
+        <dgm:cxn modelId="21" srcId="1" destId="16" srcOrd="5" destOrd="0"/>
+      </dgm:cxnLst>
+      <dgm:bg/>
+      <dgm:whole/>
+    </dgm:dataModel>
+  </dgm:clrData>
+  <dgm:layoutNode name="Name0">
+    <dgm:varLst>
+      <dgm:chMax val="1"/>
+      <dgm:dir/>
+      <dgm:animLvl val="ctr"/>
+      <dgm:resizeHandles val="exact"/>
+    </dgm:varLst>
+    <dgm:choose name="Name1">
+      <dgm:if name="Name2" func="var" arg="dir" op="equ" val="norm">
+        <dgm:alg type="cycle">
+          <dgm:param type="stAng" val="0"/>
+          <dgm:param type="spanAng" val="360"/>
+          <dgm:param type="ctrShpMap" val="fNode"/>
+        </dgm:alg>
+      </dgm:if>
+      <dgm:else name="Name3">
+        <dgm:alg type="cycle">
+          <dgm:param type="stAng" val="0"/>
+          <dgm:param type="spanAng" val="-360"/>
+          <dgm:param type="ctrShpMap" val="fNode"/>
+        </dgm:alg>
+      </dgm:else>
+    </dgm:choose>
+    <dgm:shape xmlns:r="http://schemas.openxmlformats.org/officeDocument/2006/relationships" r:blip="">
+      <dgm:adjLst/>
+    </dgm:shape>
+    <dgm:presOf/>
+    <dgm:constrLst>
+      <dgm:constr type="w" for="ch" forName="centerShape" refType="w"/>
+      <dgm:constr type="w" for="ch" forName="parTrans" refType="w" refFor="ch" refForName="centerShape" fact="0.4"/>
+      <dgm:constr type="w" for="ch" forName="node" refType="w" refFor="ch" refForName="centerShape" op="equ" fact="1.25"/>
+      <dgm:constr type="sp" refType="w" refFor="ch" refForName="centerShape" op="equ" fact="0.4"/>
+      <dgm:constr type="sibSp" refType="w" refFor="ch" refForName="node" fact="0.3"/>
+      <dgm:constr type="primFontSz" for="ch" forName="centerShape" val="65"/>
+      <dgm:constr type="primFontSz" for="des" forName="node" op="equ" val="65"/>
+      <dgm:constr type="primFontSz" for="des" forName="node" refType="primFontSz" refFor="ch" refForName="centerShape" op="lte"/>
+      <dgm:constr type="primFontSz" for="des" forName="connectorText" op="equ" val="55"/>
+      <dgm:constr type="primFontSz" for="des" forName="connectorText" refType="primFontSz" refFor="ch" refForName="centerShape" op="lte" fact="0.8"/>
+      <dgm:constr type="primFontSz" for="des" forName="connectorText" refType="primFontSz" refFor="des" refForName="node" op="lte"/>
+    </dgm:constrLst>
+    <dgm:choose name="Name4">
+      <dgm:if name="Name5" axis="ch ch" ptType="node node" st="1 1" cnt="1 0" func="cnt" op="lte" val="6">
+        <dgm:ruleLst>
+          <dgm:rule type="w" for="ch" forName="node" val="NaN" fact="1" max="NaN"/>
+        </dgm:ruleLst>
+      </dgm:if>
+      <dgm:if name="Name6" axis="ch ch" ptType="node node" st="1 1" cnt="1 0" func="cnt" op="lte" val="8">
+        <dgm:ruleLst>
+          <dgm:rule type="w" for="ch" forName="node" val="NaN" fact="0.9" max="NaN"/>
+        </dgm:ruleLst>
+      </dgm:if>
+      <dgm:if name="Name7" axis="ch ch" ptType="node node" st="1 1" cnt="1 0" func="cnt" op="lte" val="10">
+        <dgm:ruleLst>
+          <dgm:rule type="w" for="ch" forName="node" val="NaN" fact="0.8" max="NaN"/>
+        </dgm:ruleLst>
+      </dgm:if>
+      <dgm:if name="Name8" axis="ch ch" ptType="node node" st="1 1" cnt="1 0" func="cnt" op="lte" val="12">
+        <dgm:ruleLst>
+          <dgm:rule type="w" for="ch" forName="node" val="NaN" fact="0.7" max="NaN"/>
+        </dgm:ruleLst>
+      </dgm:if>
+      <dgm:if name="Name9" axis="ch ch" ptType="node node" st="1 1" cnt="1 0" func="cnt" op="lte" val="14">
+        <dgm:ruleLst>
+          <dgm:rule type="w" for="ch" forName="node" val="NaN" fact="0.6" max="NaN"/>
+        </dgm:ruleLst>
+      </dgm:if>
+      <dgm:else name="Name10">
+        <dgm:ruleLst>
+          <dgm:rule type="w" for="ch" forName="node" val="NaN" fact="0.5" max="NaN"/>
+        </dgm:ruleLst>
+      </dgm:else>
+    </dgm:choose>
+    <dgm:forEach name="Name11" axis="ch" ptType="node" cnt="1">
+      <dgm:layoutNode name="centerShape" styleLbl="node0">
+        <dgm:alg type="tx"/>
+        <dgm:shape xmlns:r="http://schemas.openxmlformats.org/officeDocument/2006/relationships" type="ellipse" r:blip="">
+          <dgm:adjLst/>
+        </dgm:shape>
+        <dgm:presOf axis="self"/>
+        <dgm:constrLst>
+          <dgm:constr type="h" refType="w"/>
+          <dgm:constr type="tMarg" refType="primFontSz" fact="0.1"/>
+          <dgm:constr type="bMarg" refType="primFontSz" fact="0.1"/>
+          <dgm:constr type="lMarg" refType="primFontSz" fact="0.1"/>
+          <dgm:constr type="rMarg" refType="primFontSz" fact="0.1"/>
+        </dgm:constrLst>
+        <dgm:ruleLst>
+          <dgm:rule type="primFontSz" val="5" fact="NaN" max="NaN"/>
+        </dgm:ruleLst>
+      </dgm:layoutNode>
+      <dgm:forEach name="Name12" axis="ch">
+        <dgm:forEach name="Name13" axis="self" ptType="parTrans">
+          <dgm:layoutNode name="parTrans" styleLbl="sibTrans2D1">
+            <dgm:alg type="conn">
+              <dgm:param type="begPts" val="auto"/>
+              <dgm:param type="endPts" val="auto"/>
+            </dgm:alg>
+            <dgm:shape xmlns:r="http://schemas.openxmlformats.org/officeDocument/2006/relationships" type="conn" r:blip="">
+              <dgm:adjLst/>
+            </dgm:shape>
+            <dgm:presOf axis="self"/>
+            <dgm:constrLst>
+              <dgm:constr type="h" refType="w" fact="0.85"/>
+            </dgm:constrLst>
+            <dgm:ruleLst/>
+            <dgm:layoutNode name="connectorText">
+              <dgm:alg type="tx">
+                <dgm:param type="autoTxRot" val="grav"/>
+              </dgm:alg>
+              <dgm:shape xmlns:r="http://schemas.openxmlformats.org/officeDocument/2006/relationships" type="conn" r:blip="" hideGeom="1">
+                <dgm:adjLst/>
+              </dgm:shape>
+              <dgm:presOf axis="self"/>
+              <dgm:constrLst>
+                <dgm:constr type="lMarg"/>
+                <dgm:constr type="rMarg"/>
+                <dgm:constr type="tMarg"/>
+                <dgm:constr type="bMarg"/>
+              </dgm:constrLst>
+              <dgm:ruleLst>
+                <dgm:rule type="primFontSz" val="5" fact="NaN" max="NaN"/>
+              </dgm:ruleLst>
+            </dgm:layoutNode>
+          </dgm:layoutNode>
+        </dgm:forEach>
+        <dgm:forEach name="Name14" axis="self" ptType="node">
+          <dgm:layoutNode name="node" styleLbl="node1">
+            <dgm:varLst>
+              <dgm:bulletEnabled val="1"/>
+            </dgm:varLst>
+            <dgm:alg type="tx">
+              <dgm:param type="txAnchorVertCh" val="mid"/>
+            </dgm:alg>
+            <dgm:shape xmlns:r="http://schemas.openxmlformats.org/officeDocument/2006/relationships" type="ellipse" r:blip="">
+              <dgm:adjLst/>
+            </dgm:shape>
+            <dgm:presOf axis="desOrSelf" ptType="node"/>
+            <dgm:constrLst>
+              <dgm:constr type="h" refType="w"/>
+              <dgm:constr type="tMarg" refType="primFontSz" fact="0.1"/>
+              <dgm:constr type="bMarg" refType="primFontSz" fact="0.1"/>
+              <dgm:constr type="lMarg" refType="primFontSz" fact="0.1"/>
+              <dgm:constr type="rMarg" refType="primFontSz" fact="0.1"/>
+            </dgm:constrLst>
+            <dgm:ruleLst>
+              <dgm:rule type="w" val="INF" fact="NaN" max="NaN"/>
+              <dgm:rule type="primFontSz" val="5" fact="NaN" max="NaN"/>
+            </dgm:ruleLst>
+          </dgm:layoutNode>
+        </dgm:forEach>
+      </dgm:forEach>
+    </dgm:forEach>
+  </dgm:layoutNode>
+</dgm:layoutDef>
+</file>
+
+<file path=ppt/diagrams/quickStyle1.xml><?xml version="1.0" encoding="utf-8"?>
+<dgm:styleDef xmlns:dgm="http://schemas.openxmlformats.org/drawingml/2006/diagram" xmlns:a="http://schemas.openxmlformats.org/drawingml/2006/main" uniqueId="urn:microsoft.com/office/officeart/2005/8/quickstyle/simple1">
+  <dgm:title val=""/>
+  <dgm:desc val=""/>
+  <dgm:catLst>
+    <dgm:cat type="simple" pri="10100"/>
+  </dgm:catLst>
+  <dgm:scene3d>
+    <a:camera prst="orthographicFront"/>
+    <a:lightRig rig="threePt" dir="t"/>
+  </dgm:scene3d>
+  <dgm:styleLbl name="node0">
+    <dgm:scene3d>
+      <a:camera prst="orthographicFront"/>
+      <a:lightRig rig="threePt" dir="t"/>
+    </dgm:scene3d>
+    <dgm:sp3d/>
+    <dgm:txPr/>
+    <dgm:style>
+      <a:lnRef idx="2">
+        <a:scrgbClr r="0" g="0" b="0"/>
+      </a:lnRef>
+      <a:fillRef idx="1">
+        <a:scrgbClr r="0" g="0" b="0"/>
+      </a:fillRef>
+      <a:effectRef idx="0">
+        <a:scrgbClr r="0" g="0" b="0"/>
+      </a:effectRef>
+      <a:fontRef idx="minor">
+        <a:schemeClr val="lt1"/>
+      </a:fontRef>
+    </dgm:style>
+  </dgm:styleLbl>
+  <dgm:styleLbl name="lnNode1">
+    <dgm:scene3d>
+      <a:camera prst="orthographicFront"/>
+      <a:lightRig rig="threePt" dir="t"/>
+    </dgm:scene3d>
+    <dgm:sp3d/>
+    <dgm:txPr/>
+    <dgm:style>
+      <a:lnRef idx="2">
+        <a:scrgbClr r="0" g="0" b="0"/>
+      </a:lnRef>
+      <a:fillRef idx="1">
+        <a:scrgbClr r="0" g="0" b="0"/>
+      </a:fillRef>
+      <a:effectRef idx="0">
+        <a:scrgbClr r="0" g="0" b="0"/>
+      </a:effectRef>
+      <a:fontRef idx="minor">
+        <a:schemeClr val="lt1"/>
+      </a:fontRef>
+    </dgm:style>
+  </dgm:styleLbl>
+  <dgm:styleLbl name="vennNode1">
+    <dgm:scene3d>
+      <a:camera prst="orthographicFront"/>
+      <a:lightRig rig="threePt" dir="t"/>
+    </dgm:scene3d>
+    <dgm:sp3d/>
+    <dgm:txPr/>
+    <dgm:style>
+      <a:lnRef idx="2">
+        <a:scrgbClr r="0" g="0" b="0"/>
+      </a:lnRef>
+      <a:fillRef idx="1">
+        <a:scrgbClr r="0" g="0" b="0"/>
+      </a:fillRef>
+      <a:effectRef idx="0">
+        <a:scrgbClr r="0" g="0" b="0"/>
+      </a:effectRef>
+      <a:fontRef idx="minor">
+        <a:schemeClr val="tx1"/>
+      </a:fontRef>
+    </dgm:style>
+  </dgm:styleLbl>
+  <dgm:styleLbl name="alignNode1">
+    <dgm:scene3d>
+      <a:camera prst="orthographicFront"/>
+      <a:lightRig rig="threePt" dir="t"/>
+    </dgm:scene3d>
+    <dgm:sp3d/>
+    <dgm:txPr/>
+    <dgm:style>
+      <a:lnRef idx="2">
+        <a:scrgbClr r="0" g="0" b="0"/>
+      </a:lnRef>
+      <a:fillRef idx="1">
+        <a:scrgbClr r="0" g="0" b="0"/>
+      </a:fillRef>
+      <a:effectRef idx="0">
+        <a:scrgbClr r="0" g="0" b="0"/>
+      </a:effectRef>
+      <a:fontRef idx="minor">
+        <a:schemeClr val="lt1"/>
+      </a:fontRef>
+    </dgm:style>
+  </dgm:styleLbl>
+  <dgm:styleLbl name="node1">
+    <dgm:scene3d>
+      <a:camera prst="orthographicFront"/>
+      <a:lightRig rig="threePt" dir="t"/>
+    </dgm:scene3d>
+    <dgm:sp3d/>
+    <dgm:txPr/>
+    <dgm:style>
+      <a:lnRef idx="2">
+        <a:scrgbClr r="0" g="0" b="0"/>
+      </a:lnRef>
+      <a:fillRef idx="1">
+        <a:scrgbClr r="0" g="0" b="0"/>
+      </a:fillRef>
+      <a:effectRef idx="0">
+        <a:scrgbClr r="0" g="0" b="0"/>
+      </a:effectRef>
+      <a:fontRef idx="minor">
+        <a:schemeClr val="lt1"/>
+      </a:fontRef>
+    </dgm:style>
+  </dgm:styleLbl>
+  <dgm:styleLbl name="node2">
+    <dgm:scene3d>
+      <a:camera prst="orthographicFront"/>
+      <a:lightRig rig="threePt" dir="t"/>
+    </dgm:scene3d>
+    <dgm:sp3d/>
+    <dgm:txPr/>
+    <dgm:style>
+      <a:lnRef idx="2">
+        <a:scrgbClr r="0" g="0" b="0"/>
+      </a:lnRef>
+      <a:fillRef idx="1">
+        <a:scrgbClr r="0" g="0" b="0"/>
+      </a:fillRef>
+      <a:effectRef idx="0">
+        <a:scrgbClr r="0" g="0" b="0"/>
+      </a:effectRef>
+      <a:fontRef idx="minor">
+        <a:schemeClr val="lt1"/>
+      </a:fontRef>
+    </dgm:style>
+  </dgm:styleLbl>
+  <dgm:styleLbl name="node3">
+    <dgm:scene3d>
+      <a:camera prst="orthographicFront"/>
+      <a:lightRig rig="threePt" dir="t"/>
+    </dgm:scene3d>
+    <dgm:sp3d/>
+    <dgm:txPr/>
+    <dgm:style>
+      <a:lnRef idx="2">
+        <a:scrgbClr r="0" g="0" b="0"/>
+      </a:lnRef>
+      <a:fillRef idx="1">
+        <a:scrgbClr r="0" g="0" b="0"/>
+      </a:fillRef>
+      <a:effectRef idx="0">
+        <a:scrgbClr r="0" g="0" b="0"/>
+      </a:effectRef>
+      <a:fontRef idx="minor">
+        <a:schemeClr val="lt1"/>
+      </a:fontRef>
+    </dgm:style>
+  </dgm:styleLbl>
+  <dgm:styleLbl name="node4">
+    <dgm:scene3d>
+      <a:camera prst="orthographicFront"/>
+      <a:lightRig rig="threePt" dir="t"/>
+    </dgm:scene3d>
+    <dgm:sp3d/>
+    <dgm:txPr/>
+    <dgm:style>
+      <a:lnRef idx="2">
+        <a:scrgbClr r="0" g="0" b="0"/>
+      </a:lnRef>
+      <a:fillRef idx="1">
+        <a:scrgbClr r="0" g="0" b="0"/>
+      </a:fillRef>
+      <a:effectRef idx="0">
+        <a:scrgbClr r="0" g="0" b="0"/>
+      </a:effectRef>
+      <a:fontRef idx="minor">
+        <a:schemeClr val="lt1"/>
+      </a:fontRef>
+    </dgm:style>
+  </dgm:styleLbl>
+  <dgm:styleLbl name="fgImgPlace1">
+    <dgm:scene3d>
+      <a:camera prst="orthographicFront"/>
+      <a:lightRig rig="threePt" dir="t"/>
+    </dgm:scene3d>
+    <dgm:sp3d/>
+    <dgm:txPr/>
+    <dgm:style>
+      <a:lnRef idx="2">
+        <a:scrgbClr r="0" g="0" b="0"/>
+      </a:lnRef>
+      <a:fillRef idx="1">
+        <a:scrgbClr r="0" g="0" b="0"/>
+      </a:fillRef>
+      <a:effectRef idx="0">
+        <a:scrgbClr r="0" g="0" b="0"/>
+      </a:effectRef>
+      <a:fontRef idx="minor"/>
+    </dgm:style>
+  </dgm:styleLbl>
+  <dgm:styleLbl name="alignImgPlace1">
+    <dgm:scene3d>
+      <a:camera prst="orthographicFront"/>
+      <a:lightRig rig="threePt" dir="t"/>
+    </dgm:scene3d>
+    <dgm:sp3d/>
+    <dgm:txPr/>
+    <dgm:style>
+      <a:lnRef idx="2">
+        <a:scrgbClr r="0" g="0" b="0"/>
+      </a:lnRef>
+      <a:fillRef idx="1">
+        <a:scrgbClr r="0" g="0" b="0"/>
+      </a:fillRef>
+      <a:effectRef idx="0">
+        <a:scrgbClr r="0" g="0" b="0"/>
+      </a:effectRef>
+      <a:fontRef idx="minor"/>
+    </dgm:style>
+  </dgm:styleLbl>
+  <dgm:styleLbl name="bgImgPlace1">
+    <dgm:scene3d>
+      <a:camera prst="orthographicFront"/>
+      <a:lightRig rig="threePt" dir="t"/>
+    </dgm:scene3d>
+    <dgm:sp3d/>
+    <dgm:txPr/>
+    <dgm:style>
+      <a:lnRef idx="2">
+        <a:scrgbClr r="0" g="0" b="0"/>
+      </a:lnRef>
+      <a:fillRef idx="1">
+        <a:scrgbClr r="0" g="0" b="0"/>
+      </a:fillRef>
+      <a:effectRef idx="0">
+        <a:scrgbClr r="0" g="0" b="0"/>
+      </a:effectRef>
+      <a:fontRef idx="minor"/>
+    </dgm:style>
+  </dgm:styleLbl>
+  <dgm:styleLbl name="sibTrans2D1">
+    <dgm:scene3d>
+      <a:camera prst="orthographicFront"/>
+      <a:lightRig rig="threePt" dir="t"/>
+    </dgm:scene3d>
+    <dgm:sp3d/>
+    <dgm:txPr/>
+    <dgm:style>
+      <a:lnRef idx="0">
+        <a:scrgbClr r="0" g="0" b="0"/>
+      </a:lnRef>
+      <a:fillRef idx="1">
+        <a:scrgbClr r="0" g="0" b="0"/>
+      </a:fillRef>
+      <a:effectRef idx="0">
+        <a:scrgbClr r="0" g="0" b="0"/>
+      </a:effectRef>
+      <a:fontRef idx="minor">
+        <a:schemeClr val="lt1"/>
+      </a:fontRef>
+    </dgm:style>
+  </dgm:styleLbl>
+  <dgm:styleLbl name="fgSibTrans2D1">
+    <dgm:scene3d>
+      <a:camera prst="orthographicFront"/>
+      <a:lightRig rig="threePt" dir="t"/>
+    </dgm:scene3d>
+    <dgm:sp3d/>
+    <dgm:txPr/>
+    <dgm:style>
+      <a:lnRef idx="0">
+        <a:scrgbClr r="0" g="0" b="0"/>
+      </a:lnRef>
+      <a:fillRef idx="1">
+        <a:scrgbClr r="0" g="0" b="0"/>
+      </a:fillRef>
+      <a:effectRef idx="0">
+        <a:scrgbClr r="0" g="0" b="0"/>
+      </a:effectRef>
+      <a:fontRef idx="minor">
+        <a:schemeClr val="lt1"/>
+      </a:fontRef>
+    </dgm:style>
+  </dgm:styleLbl>
+  <dgm:styleLbl name="bgSibTrans2D1">
+    <dgm:scene3d>
+      <a:camera prst="orthographicFront"/>
+      <a:lightRig rig="threePt" dir="t"/>
+    </dgm:scene3d>
+    <dgm:sp3d/>
+    <dgm:txPr/>
+    <dgm:style>
+      <a:lnRef idx="0">
+        <a:scrgbClr r="0" g="0" b="0"/>
+      </a:lnRef>
+      <a:fillRef idx="1">
+        <a:scrgbClr r="0" g="0" b="0"/>
+      </a:fillRef>
+      <a:effectRef idx="0">
+        <a:scrgbClr r="0" g="0" b="0"/>
+      </a:effectRef>
+      <a:fontRef idx="minor">
+        <a:schemeClr val="lt1"/>
+      </a:fontRef>
+    </dgm:style>
+  </dgm:styleLbl>
+  <dgm:styleLbl name="sibTrans1D1">
+    <dgm:scene3d>
+      <a:camera prst="orthographicFront"/>
+      <a:lightRig rig="threePt" dir="t"/>
+    </dgm:scene3d>
+    <dgm:sp3d/>
+    <dgm:txPr/>
+    <dgm:style>
+      <a:lnRef idx="1">
+        <a:scrgbClr r="0" g="0" b="0"/>
+      </a:lnRef>
+      <a:fillRef idx="0">
+        <a:scrgbClr r="0" g="0" b="0"/>
+      </a:fillRef>
+      <a:effectRef idx="0">
+        <a:scrgbClr r="0" g="0" b="0"/>
+      </a:effectRef>
+      <a:fontRef idx="minor"/>
+    </dgm:style>
+  </dgm:styleLbl>
+  <dgm:styleLbl name="callout">
+    <dgm:scene3d>
+      <a:camera prst="orthographicFront"/>
+      <a:lightRig rig="threePt" dir="t"/>
+    </dgm:scene3d>
+    <dgm:sp3d/>
+    <dgm:txPr/>
+    <dgm:style>
+      <a:lnRef idx="2">
+        <a:scrgbClr r="0" g="0" b="0"/>
+      </a:lnRef>
+      <a:fillRef idx="1">
+        <a:scrgbClr r="0" g="0" b="0"/>
+      </a:fillRef>
+      <a:effectRef idx="0">
+        <a:scrgbClr r="0" g="0" b="0"/>
+      </a:effectRef>
+      <a:fontRef idx="minor"/>
+    </dgm:style>
+  </dgm:styleLbl>
+  <dgm:styleLbl name="asst0">
+    <dgm:scene3d>
+      <a:camera prst="orthographicFront"/>
+      <a:lightRig rig="threePt" dir="t"/>
+    </dgm:scene3d>
+    <dgm:sp3d/>
+    <dgm:txPr/>
+    <dgm:style>
+      <a:lnRef idx="2">
+        <a:scrgbClr r="0" g="0" b="0"/>
+      </a:lnRef>
+      <a:fillRef idx="1">
+        <a:scrgbClr r="0" g="0" b="0"/>
+      </a:fillRef>
+      <a:effectRef idx="0">
+        <a:scrgbClr r="0" g="0" b="0"/>
+      </a:effectRef>
+      <a:fontRef idx="minor">
+        <a:schemeClr val="lt1"/>
+      </a:fontRef>
+    </dgm:style>
+  </dgm:styleLbl>
+  <dgm:styleLbl name="asst1">
+    <dgm:scene3d>
+      <a:camera prst="orthographicFront"/>
+      <a:lightRig rig="threePt" dir="t"/>
+    </dgm:scene3d>
+    <dgm:sp3d/>
+    <dgm:txPr/>
+    <dgm:style>
+      <a:lnRef idx="2">
+        <a:scrgbClr r="0" g="0" b="0"/>
+      </a:lnRef>
+      <a:fillRef idx="1">
+        <a:scrgbClr r="0" g="0" b="0"/>
+      </a:fillRef>
+      <a:effectRef idx="0">
+        <a:scrgbClr r="0" g="0" b="0"/>
+      </a:effectRef>
+      <a:fontRef idx="minor">
+        <a:schemeClr val="lt1"/>
+      </a:fontRef>
+    </dgm:style>
+  </dgm:styleLbl>
+  <dgm:styleLbl name="asst2">
+    <dgm:scene3d>
+      <a:camera prst="orthographicFront"/>
+      <a:lightRig rig="threePt" dir="t"/>
+    </dgm:scene3d>
+    <dgm:sp3d/>
+    <dgm:txPr/>
+    <dgm:style>
+      <a:lnRef idx="2">
+        <a:scrgbClr r="0" g="0" b="0"/>
+      </a:lnRef>
+      <a:fillRef idx="1">
+        <a:scrgbClr r="0" g="0" b="0"/>
+      </a:fillRef>
+      <a:effectRef idx="0">
+        <a:scrgbClr r="0" g="0" b="0"/>
+      </a:effectRef>
+      <a:fontRef idx="minor">
+        <a:schemeClr val="lt1"/>
+      </a:fontRef>
+    </dgm:style>
+  </dgm:styleLbl>
+  <dgm:styleLbl name="asst3">
+    <dgm:scene3d>
+      <a:camera prst="orthographicFront"/>
+      <a:lightRig rig="threePt" dir="t"/>
+    </dgm:scene3d>
+    <dgm:sp3d/>
+    <dgm:txPr/>
+    <dgm:style>
+      <a:lnRef idx="2">
+        <a:scrgbClr r="0" g="0" b="0"/>
+      </a:lnRef>
+      <a:fillRef idx="1">
+        <a:scrgbClr r="0" g="0" b="0"/>
+      </a:fillRef>
+      <a:effectRef idx="0">
+        <a:scrgbClr r="0" g="0" b="0"/>
+      </a:effectRef>
+      <a:fontRef idx="minor">
+        <a:schemeClr val="lt1"/>
+      </a:fontRef>
+    </dgm:style>
+  </dgm:styleLbl>
+  <dgm:styleLbl name="asst4">
+    <dgm:scene3d>
+      <a:camera prst="orthographicFront"/>
+      <a:lightRig rig="threePt" dir="t"/>
+    </dgm:scene3d>
+    <dgm:sp3d/>
+    <dgm:txPr/>
+    <dgm:style>
+      <a:lnRef idx="2">
+        <a:scrgbClr r="0" g="0" b="0"/>
+      </a:lnRef>
+      <a:fillRef idx="1">
+        <a:scrgbClr r="0" g="0" b="0"/>
+      </a:fillRef>
+      <a:effectRef idx="0">
+        <a:scrgbClr r="0" g="0" b="0"/>
+      </a:effectRef>
+      <a:fontRef idx="minor">
+        <a:schemeClr val="lt1"/>
+      </a:fontRef>
+    </dgm:style>
+  </dgm:styleLbl>
+  <dgm:styleLbl name="parChTrans2D1">
+    <dgm:scene3d>
+      <a:camera prst="orthographicFront"/>
+      <a:lightRig rig="threePt" dir="t"/>
+    </dgm:scene3d>
+    <dgm:sp3d/>
+    <dgm:txPr/>
+    <dgm:style>
+      <a:lnRef idx="2">
+        <a:scrgbClr r="0" g="0" b="0"/>
+      </a:lnRef>
+      <a:fillRef idx="1">
+        <a:scrgbClr r="0" g="0" b="0"/>
+      </a:fillRef>
+      <a:effectRef idx="0">
+        <a:scrgbClr r="0" g="0" b="0"/>
+      </a:effectRef>
+      <a:fontRef idx="minor">
+        <a:schemeClr val="lt1"/>
+      </a:fontRef>
+    </dgm:style>
+  </dgm:styleLbl>
+  <dgm:styleLbl name="parChTrans2D2">
+    <dgm:scene3d>
+      <a:camera prst="orthographicFront"/>
+      <a:lightRig rig="threePt" dir="t"/>
+    </dgm:scene3d>
+    <dgm:sp3d/>
+    <dgm:txPr/>
+    <dgm:style>
+      <a:lnRef idx="2">
+        <a:scrgbClr r="0" g="0" b="0"/>
+      </a:lnRef>
+      <a:fillRef idx="1">
+        <a:scrgbClr r="0" g="0" b="0"/>
+      </a:fillRef>
+      <a:effectRef idx="0">
+        <a:scrgbClr r="0" g="0" b="0"/>
+      </a:effectRef>
+      <a:fontRef idx="minor">
+        <a:schemeClr val="lt1"/>
+      </a:fontRef>
+    </dgm:style>
+  </dgm:styleLbl>
+  <dgm:styleLbl name="parChTrans2D3">
+    <dgm:scene3d>
+      <a:camera prst="orthographicFront"/>
+      <a:lightRig rig="threePt" dir="t"/>
+    </dgm:scene3d>
+    <dgm:sp3d/>
+    <dgm:txPr/>
+    <dgm:style>
+      <a:lnRef idx="2">
+        <a:scrgbClr r="0" g="0" b="0"/>
+      </a:lnRef>
+      <a:fillRef idx="1">
+        <a:scrgbClr r="0" g="0" b="0"/>
+      </a:fillRef>
+      <a:effectRef idx="0">
+        <a:scrgbClr r="0" g="0" b="0"/>
+      </a:effectRef>
+      <a:fontRef idx="minor">
+        <a:schemeClr val="lt1"/>
+      </a:fontRef>
+    </dgm:style>
+  </dgm:styleLbl>
+  <dgm:styleLbl name="parChTrans2D4">
+    <dgm:scene3d>
+      <a:camera prst="orthographicFront"/>
+      <a:lightRig rig="threePt" dir="t"/>
+    </dgm:scene3d>
+    <dgm:sp3d/>
+    <dgm:txPr/>
+    <dgm:style>
+      <a:lnRef idx="2">
+        <a:scrgbClr r="0" g="0" b="0"/>
+      </a:lnRef>
+      <a:fillRef idx="1">
+        <a:scrgbClr r="0" g="0" b="0"/>
+      </a:fillRef>
+      <a:effectRef idx="0">
+        <a:scrgbClr r="0" g="0" b="0"/>
+      </a:effectRef>
+      <a:fontRef idx="minor">
+        <a:schemeClr val="lt1"/>
+      </a:fontRef>
+    </dgm:style>
+  </dgm:styleLbl>
+  <dgm:styleLbl name="parChTrans1D1">
+    <dgm:scene3d>
+      <a:camera prst="orthographicFront"/>
+      <a:lightRig rig="threePt" dir="t"/>
+    </dgm:scene3d>
+    <dgm:sp3d/>
+    <dgm:txPr/>
+    <dgm:style>
+      <a:lnRef idx="2">
+        <a:scrgbClr r="0" g="0" b="0"/>
+      </a:lnRef>
+      <a:fillRef idx="0">
+        <a:scrgbClr r="0" g="0" b="0"/>
+      </a:fillRef>
+      <a:effectRef idx="0">
+        <a:scrgbClr r="0" g="0" b="0"/>
+      </a:effectRef>
+      <a:fontRef idx="minor"/>
+    </dgm:style>
+  </dgm:styleLbl>
+  <dgm:styleLbl name="parChTrans1D2">
+    <dgm:scene3d>
+      <a:camera prst="orthographicFront"/>
+      <a:lightRig rig="threePt" dir="t"/>
+    </dgm:scene3d>
+    <dgm:sp3d/>
+    <dgm:txPr/>
+    <dgm:style>
+      <a:lnRef idx="2">
+        <a:scrgbClr r="0" g="0" b="0"/>
+      </a:lnRef>
+      <a:fillRef idx="0">
+        <a:scrgbClr r="0" g="0" b="0"/>
+      </a:fillRef>
+      <a:effectRef idx="0">
+        <a:scrgbClr r="0" g="0" b="0"/>
+      </a:effectRef>
+      <a:fontRef idx="minor"/>
+    </dgm:style>
+  </dgm:styleLbl>
+  <dgm:styleLbl name="parChTrans1D3">
+    <dgm:scene3d>
+      <a:camera prst="orthographicFront"/>
+      <a:lightRig rig="threePt" dir="t"/>
+    </dgm:scene3d>
+    <dgm:sp3d/>
+    <dgm:txPr/>
+    <dgm:style>
+      <a:lnRef idx="2">
+        <a:scrgbClr r="0" g="0" b="0"/>
+      </a:lnRef>
+      <a:fillRef idx="0">
+        <a:scrgbClr r="0" g="0" b="0"/>
+      </a:fillRef>
+      <a:effectRef idx="0">
+        <a:scrgbClr r="0" g="0" b="0"/>
+      </a:effectRef>
+      <a:fontRef idx="minor"/>
+    </dgm:style>
+  </dgm:styleLbl>
+  <dgm:styleLbl name="parChTrans1D4">
+    <dgm:scene3d>
+      <a:camera prst="orthographicFront"/>
+      <a:lightRig rig="threePt" dir="t"/>
+    </dgm:scene3d>
+    <dgm:sp3d/>
+    <dgm:txPr/>
+    <dgm:style>
+      <a:lnRef idx="2">
+        <a:scrgbClr r="0" g="0" b="0"/>
+      </a:lnRef>
+      <a:fillRef idx="0">
+        <a:scrgbClr r="0" g="0" b="0"/>
+      </a:fillRef>
+      <a:effectRef idx="0">
+        <a:scrgbClr r="0" g="0" b="0"/>
+      </a:effectRef>
+      <a:fontRef idx="minor"/>
+    </dgm:style>
+  </dgm:styleLbl>
+  <dgm:styleLbl name="fgAcc1">
+    <dgm:scene3d>
+      <a:camera prst="orthographicFront"/>
+      <a:lightRig rig="threePt" dir="t"/>
+    </dgm:scene3d>
+    <dgm:sp3d/>
+    <dgm:txPr/>
+    <dgm:style>
+      <a:lnRef idx="2">
+        <a:scrgbClr r="0" g="0" b="0"/>
+      </a:lnRef>
+      <a:fillRef idx="1">
+        <a:scrgbClr r="0" g="0" b="0"/>
+      </a:fillRef>
+      <a:effectRef idx="0">
+        <a:scrgbClr r="0" g="0" b="0"/>
+      </a:effectRef>
+      <a:fontRef idx="minor"/>
+    </dgm:style>
+  </dgm:styleLbl>
+  <dgm:styleLbl name="conFgAcc1">
+    <dgm:scene3d>
+      <a:camera prst="orthographicFront"/>
+      <a:lightRig rig="threePt" dir="t"/>
+    </dgm:scene3d>
+    <dgm:sp3d/>
+    <dgm:txPr/>
+    <dgm:style>
+      <a:lnRef idx="2">
+        <a:scrgbClr r="0" g="0" b="0"/>
+      </a:lnRef>
+      <a:fillRef idx="1">
+        <a:scrgbClr r="0" g="0" b="0"/>
+      </a:fillRef>
+      <a:effectRef idx="0">
+        <a:scrgbClr r="0" g="0" b="0"/>
+      </a:effectRef>
+      <a:fontRef idx="minor"/>
+    </dgm:style>
+  </dgm:styleLbl>
+  <dgm:styleLbl name="alignAcc1">
+    <dgm:scene3d>
+      <a:camera prst="orthographicFront"/>
+      <a:lightRig rig="threePt" dir="t"/>
+    </dgm:scene3d>
+    <dgm:sp3d/>
+    <dgm:txPr/>
+    <dgm:style>
+      <a:lnRef idx="2">
+        <a:scrgbClr r="0" g="0" b="0"/>
+      </a:lnRef>
+      <a:fillRef idx="1">
+        <a:scrgbClr r="0" g="0" b="0"/>
+      </a:fillRef>
+      <a:effectRef idx="0">
+        <a:scrgbClr r="0" g="0" b="0"/>
+      </a:effectRef>
+      <a:fontRef idx="minor"/>
+    </dgm:style>
+  </dgm:styleLbl>
+  <dgm:styleLbl name="trAlignAcc1">
+    <dgm:scene3d>
+      <a:camera prst="orthographicFront"/>
+      <a:lightRig rig="threePt" dir="t"/>
+    </dgm:scene3d>
+    <dgm:sp3d/>
+    <dgm:txPr/>
+    <dgm:style>
+      <a:lnRef idx="1">
+        <a:scrgbClr r="0" g="0" b="0"/>
+      </a:lnRef>
+      <a:fillRef idx="1">
+        <a:scrgbClr r="0" g="0" b="0"/>
+      </a:fillRef>
+      <a:effectRef idx="0">
+        <a:scrgbClr r="0" g="0" b="0"/>
+      </a:effectRef>
+      <a:fontRef idx="minor"/>
+    </dgm:style>
+  </dgm:styleLbl>
+  <dgm:styleLbl name="bgAcc1">
+    <dgm:scene3d>
+      <a:camera prst="orthographicFront"/>
+      <a:lightRig rig="threePt" dir="t"/>
+    </dgm:scene3d>
+    <dgm:sp3d/>
+    <dgm:txPr/>
+    <dgm:style>
+      <a:lnRef idx="2">
+        <a:scrgbClr r="0" g="0" b="0"/>
+      </a:lnRef>
+      <a:fillRef idx="1">
+        <a:scrgbClr r="0" g="0" b="0"/>
+      </a:fillRef>
+      <a:effectRef idx="0">
+        <a:scrgbClr r="0" g="0" b="0"/>
+      </a:effectRef>
+      <a:fontRef idx="minor"/>
+    </dgm:style>
+  </dgm:styleLbl>
+  <dgm:styleLbl name="solidFgAcc1">
+    <dgm:scene3d>
+      <a:camera prst="orthographicFront"/>
+      <a:lightRig rig="threePt" dir="t"/>
+    </dgm:scene3d>
+    <dgm:sp3d/>
+    <dgm:txPr/>
+    <dgm:style>
+      <a:lnRef idx="2">
+        <a:scrgbClr r="0" g="0" b="0"/>
+      </a:lnRef>
+      <a:fillRef idx="1">
+        <a:scrgbClr r="0" g="0" b="0"/>
+      </a:fillRef>
+      <a:effectRef idx="0">
+        <a:scrgbClr r="0" g="0" b="0"/>
+      </a:effectRef>
+      <a:fontRef idx="minor"/>
+    </dgm:style>
+  </dgm:styleLbl>
+  <dgm:styleLbl name="solidAlignAcc1">
+    <dgm:scene3d>
+      <a:camera prst="orthographicFront"/>
+      <a:lightRig rig="threePt" dir="t"/>
+    </dgm:scene3d>
+    <dgm:sp3d/>
+    <dgm:txPr/>
+    <dgm:style>
+      <a:lnRef idx="2">
+        <a:scrgbClr r="0" g="0" b="0"/>
+      </a:lnRef>
+      <a:fillRef idx="1">
+        <a:scrgbClr r="0" g="0" b="0"/>
+      </a:fillRef>
+      <a:effectRef idx="0">
+        <a:scrgbClr r="0" g="0" b="0"/>
+      </a:effectRef>
+      <a:fontRef idx="minor"/>
+    </dgm:style>
+  </dgm:styleLbl>
+  <dgm:styleLbl name="solidBgAcc1">
+    <dgm:scene3d>
+      <a:camera prst="orthographicFront"/>
+      <a:lightRig rig="threePt" dir="t"/>
+    </dgm:scene3d>
+    <dgm:sp3d/>
+    <dgm:txPr/>
+    <dgm:style>
+      <a:lnRef idx="2">
+        <a:scrgbClr r="0" g="0" b="0"/>
+      </a:lnRef>
+      <a:fillRef idx="1">
+        <a:scrgbClr r="0" g="0" b="0"/>
+      </a:fillRef>
+      <a:effectRef idx="0">
+        <a:scrgbClr r="0" g="0" b="0"/>
+      </a:effectRef>
+      <a:fontRef idx="minor"/>
+    </dgm:style>
+  </dgm:styleLbl>
+  <dgm:styleLbl name="fgAccFollowNode1">
+    <dgm:scene3d>
+      <a:camera prst="orthographicFront"/>
+      <a:lightRig rig="threePt" dir="t"/>
+    </dgm:scene3d>
+    <dgm:sp3d/>
+    <dgm:txPr/>
+    <dgm:style>
+      <a:lnRef idx="2">
+        <a:scrgbClr r="0" g="0" b="0"/>
+      </a:lnRef>
+      <a:fillRef idx="1">
+        <a:scrgbClr r="0" g="0" b="0"/>
+      </a:fillRef>
+      <a:effectRef idx="0">
+        <a:scrgbClr r="0" g="0" b="0"/>
+      </a:effectRef>
+      <a:fontRef idx="minor"/>
+    </dgm:style>
+  </dgm:styleLbl>
+  <dgm:styleLbl name="alignAccFollowNode1">
+    <dgm:scene3d>
+      <a:camera prst="orthographicFront"/>
+      <a:lightRig rig="threePt" dir="t"/>
+    </dgm:scene3d>
+    <dgm:sp3d/>
+    <dgm:txPr/>
+    <dgm:style>
+      <a:lnRef idx="2">
+        <a:scrgbClr r="0" g="0" b="0"/>
+      </a:lnRef>
+      <a:fillRef idx="1">
+        <a:scrgbClr r="0" g="0" b="0"/>
+      </a:fillRef>
+      <a:effectRef idx="0">
+        <a:scrgbClr r="0" g="0" b="0"/>
+      </a:effectRef>
+      <a:fontRef idx="minor"/>
+    </dgm:style>
+  </dgm:styleLbl>
+  <dgm:styleLbl name="bgAccFollowNode1">
+    <dgm:scene3d>
+      <a:camera prst="orthographicFront"/>
+      <a:lightRig rig="threePt" dir="t"/>
+    </dgm:scene3d>
+    <dgm:sp3d/>
+    <dgm:txPr/>
+    <dgm:style>
+      <a:lnRef idx="2">
+        <a:scrgbClr r="0" g="0" b="0"/>
+      </a:lnRef>
+      <a:fillRef idx="1">
+        <a:scrgbClr r="0" g="0" b="0"/>
+      </a:fillRef>
+      <a:effectRef idx="0">
+        <a:scrgbClr r="0" g="0" b="0"/>
+      </a:effectRef>
+      <a:fontRef idx="minor"/>
+    </dgm:style>
+  </dgm:styleLbl>
+  <dgm:styleLbl name="fgAcc0">
+    <dgm:scene3d>
+      <a:camera prst="orthographicFront"/>
+      <a:lightRig rig="threePt" dir="t"/>
+    </dgm:scene3d>
+    <dgm:sp3d/>
+    <dgm:txPr/>
+    <dgm:style>
+      <a:lnRef idx="2">
+        <a:scrgbClr r="0" g="0" b="0"/>
+      </a:lnRef>
+      <a:fillRef idx="1">
+        <a:scrgbClr r="0" g="0" b="0"/>
+      </a:fillRef>
+      <a:effectRef idx="0">
+        <a:scrgbClr r="0" g="0" b="0"/>
+      </a:effectRef>
+      <a:fontRef idx="minor"/>
+    </dgm:style>
+  </dgm:styleLbl>
+  <dgm:styleLbl name="fgAcc2">
+    <dgm:scene3d>
+      <a:camera prst="orthographicFront"/>
+      <a:lightRig rig="threePt" dir="t"/>
+    </dgm:scene3d>
+    <dgm:sp3d/>
+    <dgm:txPr/>
+    <dgm:style>
+      <a:lnRef idx="2">
+        <a:scrgbClr r="0" g="0" b="0"/>
+      </a:lnRef>
+      <a:fillRef idx="1">
+        <a:scrgbClr r="0" g="0" b="0"/>
+      </a:fillRef>
+      <a:effectRef idx="0">
+        <a:scrgbClr r="0" g="0" b="0"/>
+      </a:effectRef>
+      <a:fontRef idx="minor"/>
+    </dgm:style>
+  </dgm:styleLbl>
+  <dgm:styleLbl name="fgAcc3">
+    <dgm:scene3d>
+      <a:camera prst="orthographicFront"/>
+      <a:lightRig rig="threePt" dir="t"/>
+    </dgm:scene3d>
+    <dgm:sp3d/>
+    <dgm:txPr/>
+    <dgm:style>
+      <a:lnRef idx="2">
+        <a:scrgbClr r="0" g="0" b="0"/>
+      </a:lnRef>
+      <a:fillRef idx="1">
+        <a:scrgbClr r="0" g="0" b="0"/>
+      </a:fillRef>
+      <a:effectRef idx="0">
+        <a:scrgbClr r="0" g="0" b="0"/>
+      </a:effectRef>
+      <a:fontRef idx="minor"/>
+    </dgm:style>
+  </dgm:styleLbl>
+  <dgm:styleLbl name="fgAcc4">
+    <dgm:scene3d>
+      <a:camera prst="orthographicFront"/>
+      <a:lightRig rig="threePt" dir="t"/>
+    </dgm:scene3d>
+    <dgm:sp3d/>
+    <dgm:txPr/>
+    <dgm:style>
+      <a:lnRef idx="2">
+        <a:scrgbClr r="0" g="0" b="0"/>
+      </a:lnRef>
+      <a:fillRef idx="1">
+        <a:scrgbClr r="0" g="0" b="0"/>
+      </a:fillRef>
+      <a:effectRef idx="0">
+        <a:scrgbClr r="0" g="0" b="0"/>
+      </a:effectRef>
+      <a:fontRef idx="minor"/>
+    </dgm:style>
+  </dgm:styleLbl>
+  <dgm:styleLbl name="bgShp">
+    <dgm:scene3d>
+      <a:camera prst="orthographicFront"/>
+      <a:lightRig rig="threePt" dir="t"/>
+    </dgm:scene3d>
+    <dgm:sp3d/>
+    <dgm:txPr/>
+    <dgm:style>
+      <a:lnRef idx="0">
+        <a:scrgbClr r="0" g="0" b="0"/>
+      </a:lnRef>
+      <a:fillRef idx="1">
+        <a:scrgbClr r="0" g="0" b="0"/>
+      </a:fillRef>
+      <a:effectRef idx="0">
+        <a:scrgbClr r="0" g="0" b="0"/>
+      </a:effectRef>
+      <a:fontRef idx="minor"/>
+    </dgm:style>
+  </dgm:styleLbl>
+  <dgm:styleLbl name="dkBgShp">
+    <dgm:scene3d>
+      <a:camera prst="orthographicFront"/>
+      <a:lightRig rig="threePt" dir="t"/>
+    </dgm:scene3d>
+    <dgm:sp3d/>
+    <dgm:txPr/>
+    <dgm:style>
+      <a:lnRef idx="0">
+        <a:scrgbClr r="0" g="0" b="0"/>
+      </a:lnRef>
+      <a:fillRef idx="1">
+        <a:scrgbClr r="0" g="0" b="0"/>
+      </a:fillRef>
+      <a:effectRef idx="0">
+        <a:scrgbClr r="0" g="0" b="0"/>
+      </a:effectRef>
+      <a:fontRef idx="minor"/>
+    </dgm:style>
+  </dgm:styleLbl>
+  <dgm:styleLbl name="trBgShp">
+    <dgm:scene3d>
+      <a:camera prst="orthographicFront"/>
+      <a:lightRig rig="threePt" dir="t"/>
+    </dgm:scene3d>
+    <dgm:sp3d/>
+    <dgm:txPr/>
+    <dgm:style>
+      <a:lnRef idx="0">
+        <a:scrgbClr r="0" g="0" b="0"/>
+      </a:lnRef>
+      <a:fillRef idx="1">
+        <a:scrgbClr r="0" g="0" b="0"/>
+      </a:fillRef>
+      <a:effectRef idx="0">
+        <a:scrgbClr r="0" g="0" b="0"/>
+      </a:effectRef>
+      <a:fontRef idx="minor"/>
+    </dgm:style>
+  </dgm:styleLbl>
+  <dgm:styleLbl name="fgShp">
+    <dgm:scene3d>
+      <a:camera prst="orthographicFront"/>
+      <a:lightRig rig="threePt" dir="t"/>
+    </dgm:scene3d>
+    <dgm:sp3d/>
+    <dgm:txPr/>
+    <dgm:style>
+      <a:lnRef idx="2">
+        <a:scrgbClr r="0" g="0" b="0"/>
+      </a:lnRef>
+      <a:fillRef idx="1">
+        <a:scrgbClr r="0" g="0" b="0"/>
+      </a:fillRef>
+      <a:effectRef idx="0">
+        <a:scrgbClr r="0" g="0" b="0"/>
+      </a:effectRef>
+      <a:fontRef idx="minor"/>
+    </dgm:style>
+  </dgm:styleLbl>
+  <dgm:styleLbl name="revTx">
+    <dgm:scene3d>
+      <a:camera prst="orthographicFront"/>
+      <a:lightRig rig="threePt" dir="t"/>
+    </dgm:scene3d>
+    <dgm:sp3d/>
+    <dgm:txPr/>
+    <dgm:style>
+      <a:lnRef idx="0">
+        <a:scrgbClr r="0" g="0" b="0"/>
+      </a:lnRef>
+      <a:fillRef idx="0">
+        <a:scrgbClr r="0" g="0" b="0"/>
+      </a:fillRef>
+      <a:effectRef idx="0">
+        <a:scrgbClr r="0" g="0" b="0"/>
+      </a:effectRef>
+      <a:fontRef idx="minor"/>
+    </dgm:style>
+  </dgm:styleLbl>
+</dgm:styleDef>
+</file>
+
 <file path=ppt/slideLayouts/slideLayout1.xml><?xml version="1.0" encoding="utf-8"?>
 <p:sldLayout xmlns:a="http://schemas.openxmlformats.org/drawingml/2006/main" xmlns:r="http://schemas.openxmlformats.org/officeDocument/2006/relationships" xmlns:p="http://schemas.openxmlformats.org/presentationml/2006/main" type="title" preserve="1">
   <p:cSld name="Diapositive de titre">
@@ -259,7 +4332,7 @@
           <a:p>
             <a:fld id="{9D2743A8-FFB9-41BC-AF05-F9F1905D857A}" type="datetimeFigureOut">
               <a:rPr lang="fr-FR" smtClean="0"/>
-              <a:t>11/01/2022</a:t>
+              <a:t>08/04/2022</a:t>
             </a:fld>
             <a:endParaRPr lang="fr-FR"/>
           </a:p>
@@ -457,7 +4530,7 @@
           <a:p>
             <a:fld id="{9D2743A8-FFB9-41BC-AF05-F9F1905D857A}" type="datetimeFigureOut">
               <a:rPr lang="fr-FR" smtClean="0"/>
-              <a:t>11/01/2022</a:t>
+              <a:t>08/04/2022</a:t>
             </a:fld>
             <a:endParaRPr lang="fr-FR"/>
           </a:p>
@@ -665,7 +4738,7 @@
           <a:p>
             <a:fld id="{9D2743A8-FFB9-41BC-AF05-F9F1905D857A}" type="datetimeFigureOut">
               <a:rPr lang="fr-FR" smtClean="0"/>
-              <a:t>11/01/2022</a:t>
+              <a:t>08/04/2022</a:t>
             </a:fld>
             <a:endParaRPr lang="fr-FR"/>
           </a:p>
@@ -863,7 +4936,7 @@
           <a:p>
             <a:fld id="{9D2743A8-FFB9-41BC-AF05-F9F1905D857A}" type="datetimeFigureOut">
               <a:rPr lang="fr-FR" smtClean="0"/>
-              <a:t>11/01/2022</a:t>
+              <a:t>08/04/2022</a:t>
             </a:fld>
             <a:endParaRPr lang="fr-FR"/>
           </a:p>
@@ -1138,7 +5211,7 @@
           <a:p>
             <a:fld id="{9D2743A8-FFB9-41BC-AF05-F9F1905D857A}" type="datetimeFigureOut">
               <a:rPr lang="fr-FR" smtClean="0"/>
-              <a:t>11/01/2022</a:t>
+              <a:t>08/04/2022</a:t>
             </a:fld>
             <a:endParaRPr lang="fr-FR"/>
           </a:p>
@@ -1403,7 +5476,7 @@
           <a:p>
             <a:fld id="{9D2743A8-FFB9-41BC-AF05-F9F1905D857A}" type="datetimeFigureOut">
               <a:rPr lang="fr-FR" smtClean="0"/>
-              <a:t>11/01/2022</a:t>
+              <a:t>08/04/2022</a:t>
             </a:fld>
             <a:endParaRPr lang="fr-FR"/>
           </a:p>
@@ -1815,7 +5888,7 @@
           <a:p>
             <a:fld id="{9D2743A8-FFB9-41BC-AF05-F9F1905D857A}" type="datetimeFigureOut">
               <a:rPr lang="fr-FR" smtClean="0"/>
-              <a:t>11/01/2022</a:t>
+              <a:t>08/04/2022</a:t>
             </a:fld>
             <a:endParaRPr lang="fr-FR"/>
           </a:p>
@@ -1956,7 +6029,7 @@
           <a:p>
             <a:fld id="{9D2743A8-FFB9-41BC-AF05-F9F1905D857A}" type="datetimeFigureOut">
               <a:rPr lang="fr-FR" smtClean="0"/>
-              <a:t>11/01/2022</a:t>
+              <a:t>08/04/2022</a:t>
             </a:fld>
             <a:endParaRPr lang="fr-FR"/>
           </a:p>
@@ -2069,7 +6142,7 @@
           <a:p>
             <a:fld id="{9D2743A8-FFB9-41BC-AF05-F9F1905D857A}" type="datetimeFigureOut">
               <a:rPr lang="fr-FR" smtClean="0"/>
-              <a:t>11/01/2022</a:t>
+              <a:t>08/04/2022</a:t>
             </a:fld>
             <a:endParaRPr lang="fr-FR"/>
           </a:p>
@@ -2380,7 +6453,7 @@
           <a:p>
             <a:fld id="{9D2743A8-FFB9-41BC-AF05-F9F1905D857A}" type="datetimeFigureOut">
               <a:rPr lang="fr-FR" smtClean="0"/>
-              <a:t>11/01/2022</a:t>
+              <a:t>08/04/2022</a:t>
             </a:fld>
             <a:endParaRPr lang="fr-FR"/>
           </a:p>
@@ -2668,7 +6741,7 @@
           <a:p>
             <a:fld id="{9D2743A8-FFB9-41BC-AF05-F9F1905D857A}" type="datetimeFigureOut">
               <a:rPr lang="fr-FR" smtClean="0"/>
-              <a:t>11/01/2022</a:t>
+              <a:t>08/04/2022</a:t>
             </a:fld>
             <a:endParaRPr lang="fr-FR"/>
           </a:p>
@@ -2909,7 +6982,7 @@
           <a:p>
             <a:fld id="{9D2743A8-FFB9-41BC-AF05-F9F1905D857A}" type="datetimeFigureOut">
               <a:rPr lang="fr-FR" smtClean="0"/>
-              <a:t>11/01/2022</a:t>
+              <a:t>08/04/2022</a:t>
             </a:fld>
             <a:endParaRPr lang="fr-FR"/>
           </a:p>
@@ -6347,6 +10420,118 @@
 </p:sld>
 </file>
 
+<file path=ppt/slides/slide2.xml><?xml version="1.0" encoding="utf-8"?>
+<p:sld xmlns:a="http://schemas.openxmlformats.org/drawingml/2006/main" xmlns:r="http://schemas.openxmlformats.org/officeDocument/2006/relationships" xmlns:p="http://schemas.openxmlformats.org/presentationml/2006/main">
+  <p:cSld>
+    <p:spTree>
+      <p:nvGrpSpPr>
+        <p:cNvPr id="1" name=""/>
+        <p:cNvGrpSpPr/>
+        <p:nvPr/>
+      </p:nvGrpSpPr>
+      <p:grpSpPr>
+        <a:xfrm>
+          <a:off x="0" y="0"/>
+          <a:ext cx="0" cy="0"/>
+          <a:chOff x="0" y="0"/>
+          <a:chExt cx="0" cy="0"/>
+        </a:xfrm>
+      </p:grpSpPr>
+      <p:sp>
+        <p:nvSpPr>
+          <p:cNvPr id="2" name="Titre 1">
+            <a:extLst>
+              <a:ext uri="{FF2B5EF4-FFF2-40B4-BE49-F238E27FC236}">
+                <a16:creationId xmlns:a16="http://schemas.microsoft.com/office/drawing/2014/main" id="{481850E2-50E3-4721-AE8C-A1D936368306}"/>
+              </a:ext>
+            </a:extLst>
+          </p:cNvPr>
+          <p:cNvSpPr txBox="1">
+            <a:spLocks/>
+          </p:cNvSpPr>
+          <p:nvPr/>
+        </p:nvSpPr>
+        <p:spPr>
+          <a:xfrm>
+            <a:off x="838200" y="365125"/>
+            <a:ext cx="10515600" cy="593699"/>
+          </a:xfrm>
+          <a:prstGeom prst="rect">
+            <a:avLst/>
+          </a:prstGeom>
+        </p:spPr>
+        <p:txBody>
+          <a:bodyPr>
+            <a:normAutofit fontScale="90000" lnSpcReduction="10000"/>
+          </a:bodyPr>
+          <a:lstStyle>
+            <a:lvl1pPr algn="l" defTabSz="914400" rtl="0" eaLnBrk="1" latinLnBrk="0" hangingPunct="1">
+              <a:lnSpc>
+                <a:spcPct val="90000"/>
+              </a:lnSpc>
+              <a:spcBef>
+                <a:spcPct val="0"/>
+              </a:spcBef>
+              <a:buNone/>
+              <a:defRPr sz="4400" kern="1200">
+                <a:solidFill>
+                  <a:schemeClr val="tx1"/>
+                </a:solidFill>
+                <a:latin typeface="+mj-lt"/>
+                <a:ea typeface="+mj-ea"/>
+                <a:cs typeface="+mj-cs"/>
+              </a:defRPr>
+            </a:lvl1pPr>
+          </a:lstStyle>
+          <a:p>
+            <a:r>
+              <a:rPr lang="fr-FR" dirty="0"/>
+              <a:t>DevOps Architecture committee</a:t>
+            </a:r>
+          </a:p>
+        </p:txBody>
+      </p:sp>
+      <p:graphicFrame>
+        <p:nvGraphicFramePr>
+          <p:cNvPr id="3" name="Diagramme 2">
+            <a:extLst>
+              <a:ext uri="{FF2B5EF4-FFF2-40B4-BE49-F238E27FC236}">
+                <a16:creationId xmlns:a16="http://schemas.microsoft.com/office/drawing/2014/main" id="{A27EAB77-DDE3-4BDC-9177-6B14326B4318}"/>
+              </a:ext>
+            </a:extLst>
+          </p:cNvPr>
+          <p:cNvGraphicFramePr/>
+          <p:nvPr>
+            <p:extLst>
+              <p:ext uri="{D42A27DB-BD31-4B8C-83A1-F6EECF244321}">
+                <p14:modId xmlns:p14="http://schemas.microsoft.com/office/powerpoint/2010/main" val="4065151090"/>
+              </p:ext>
+            </p:extLst>
+          </p:nvPr>
+        </p:nvGraphicFramePr>
+        <p:xfrm>
+          <a:off x="2571931" y="1216055"/>
+          <a:ext cx="6911703" cy="4940905"/>
+        </p:xfrm>
+        <a:graphic>
+          <a:graphicData uri="http://schemas.openxmlformats.org/drawingml/2006/diagram">
+            <dgm:relIds xmlns:dgm="http://schemas.openxmlformats.org/drawingml/2006/diagram" xmlns:r="http://schemas.openxmlformats.org/officeDocument/2006/relationships" r:dm="rId2" r:lo="rId3" r:qs="rId4" r:cs="rId5"/>
+          </a:graphicData>
+        </a:graphic>
+      </p:graphicFrame>
+    </p:spTree>
+    <p:extLst>
+      <p:ext uri="{BB962C8B-B14F-4D97-AF65-F5344CB8AC3E}">
+        <p14:creationId xmlns:p14="http://schemas.microsoft.com/office/powerpoint/2010/main" val="3890221327"/>
+      </p:ext>
+    </p:extLst>
+  </p:cSld>
+  <p:clrMapOvr>
+    <a:masterClrMapping/>
+  </p:clrMapOvr>
+</p:sld>
+</file>
+
 <file path=ppt/theme/theme1.xml><?xml version="1.0" encoding="utf-8"?>
 <a:theme xmlns:a="http://schemas.openxmlformats.org/drawingml/2006/main" name="Thème Office">
   <a:themeElements>
